--- a/TFM DL Tools for Finance  Application Transfert Learning Vgg16sp500.pptx
+++ b/TFM DL Tools for Finance  Application Transfert Learning Vgg16sp500.pptx
@@ -5,7 +5,7 @@
     <p:sldMasterId id="2147483685" r:id="rId1"/>
   </p:sldMasterIdLst>
   <p:notesMasterIdLst>
-    <p:notesMasterId r:id="rId16"/>
+    <p:notesMasterId r:id="rId22"/>
   </p:notesMasterIdLst>
   <p:sldIdLst>
     <p:sldId id="256" r:id="rId2"/>
@@ -13,15 +13,21 @@
     <p:sldId id="258" r:id="rId4"/>
     <p:sldId id="259" r:id="rId5"/>
     <p:sldId id="260" r:id="rId6"/>
-    <p:sldId id="261" r:id="rId7"/>
-    <p:sldId id="262" r:id="rId8"/>
-    <p:sldId id="263" r:id="rId9"/>
-    <p:sldId id="264" r:id="rId10"/>
-    <p:sldId id="265" r:id="rId11"/>
-    <p:sldId id="266" r:id="rId12"/>
-    <p:sldId id="267" r:id="rId13"/>
-    <p:sldId id="269" r:id="rId14"/>
-    <p:sldId id="268" r:id="rId15"/>
+    <p:sldId id="270" r:id="rId7"/>
+    <p:sldId id="261" r:id="rId8"/>
+    <p:sldId id="262" r:id="rId9"/>
+    <p:sldId id="272" r:id="rId10"/>
+    <p:sldId id="271" r:id="rId11"/>
+    <p:sldId id="263" r:id="rId12"/>
+    <p:sldId id="264" r:id="rId13"/>
+    <p:sldId id="273" r:id="rId14"/>
+    <p:sldId id="275" r:id="rId15"/>
+    <p:sldId id="265" r:id="rId16"/>
+    <p:sldId id="274" r:id="rId17"/>
+    <p:sldId id="266" r:id="rId18"/>
+    <p:sldId id="267" r:id="rId19"/>
+    <p:sldId id="269" r:id="rId20"/>
+    <p:sldId id="268" r:id="rId21"/>
   </p:sldIdLst>
   <p:sldSz cx="9144000" cy="5143500" type="screen16x9"/>
   <p:notesSz cx="6858000" cy="9144000"/>
@@ -684,6 +690,214 @@
 </p:notes>
 </file>
 
+<file path=ppt/notesSlides/notesSlide10.xml><?xml version="1.0" encoding="utf-8"?>
+<p:notes xmlns:a="http://schemas.openxmlformats.org/drawingml/2006/main" xmlns:r="http://schemas.openxmlformats.org/officeDocument/2006/relationships" xmlns:p="http://schemas.openxmlformats.org/presentationml/2006/main" showMasterSp="0" showMasterPhAnim="0">
+  <p:cSld>
+    <p:spTree>
+      <p:nvGrpSpPr>
+        <p:cNvPr id="1" name="Shape 95"/>
+        <p:cNvGrpSpPr/>
+        <p:nvPr/>
+      </p:nvGrpSpPr>
+      <p:grpSpPr>
+        <a:xfrm>
+          <a:off x="0" y="0"/>
+          <a:ext cx="0" cy="0"/>
+          <a:chOff x="0" y="0"/>
+          <a:chExt cx="0" cy="0"/>
+        </a:xfrm>
+      </p:grpSpPr>
+      <p:sp>
+        <p:nvSpPr>
+          <p:cNvPr id="96" name="Google Shape;96;g9437561b6e_0_24:notes"/>
+          <p:cNvSpPr>
+            <a:spLocks noGrp="1" noRot="1" noChangeAspect="1"/>
+          </p:cNvSpPr>
+          <p:nvPr>
+            <p:ph type="sldImg" idx="2"/>
+          </p:nvPr>
+        </p:nvSpPr>
+        <p:spPr>
+          <a:xfrm>
+            <a:off x="381000" y="685800"/>
+            <a:ext cx="6096000" cy="3429000"/>
+          </a:xfrm>
+          <a:custGeom>
+            <a:avLst/>
+            <a:gdLst/>
+            <a:ahLst/>
+            <a:cxnLst/>
+            <a:rect l="l" t="t" r="r" b="b"/>
+            <a:pathLst>
+              <a:path w="120000" h="120000" extrusionOk="0">
+                <a:moveTo>
+                  <a:pt x="0" y="0"/>
+                </a:moveTo>
+                <a:lnTo>
+                  <a:pt x="120000" y="0"/>
+                </a:lnTo>
+                <a:lnTo>
+                  <a:pt x="120000" y="120000"/>
+                </a:lnTo>
+                <a:lnTo>
+                  <a:pt x="0" y="120000"/>
+                </a:lnTo>
+                <a:close/>
+              </a:path>
+            </a:pathLst>
+          </a:custGeom>
+        </p:spPr>
+      </p:sp>
+      <p:sp>
+        <p:nvSpPr>
+          <p:cNvPr id="97" name="Google Shape;97;g9437561b6e_0_24:notes"/>
+          <p:cNvSpPr txBox="1">
+            <a:spLocks noGrp="1"/>
+          </p:cNvSpPr>
+          <p:nvPr>
+            <p:ph type="body" idx="1"/>
+          </p:nvPr>
+        </p:nvSpPr>
+        <p:spPr>
+          <a:xfrm>
+            <a:off x="685800" y="4343400"/>
+            <a:ext cx="5486400" cy="4114800"/>
+          </a:xfrm>
+          <a:prstGeom prst="rect">
+            <a:avLst/>
+          </a:prstGeom>
+        </p:spPr>
+        <p:txBody>
+          <a:bodyPr spcFirstLastPara="1" wrap="square" lIns="91425" tIns="91425" rIns="91425" bIns="91425" anchor="t" anchorCtr="0">
+            <a:noAutofit/>
+          </a:bodyPr>
+          <a:lstStyle/>
+          <a:p>
+            <a:pPr marL="0" lvl="0" indent="0" algn="l" rtl="0">
+              <a:spcBef>
+                <a:spcPts val="0"/>
+              </a:spcBef>
+              <a:spcAft>
+                <a:spcPts val="0"/>
+              </a:spcAft>
+              <a:buNone/>
+            </a:pPr>
+            <a:endParaRPr/>
+          </a:p>
+        </p:txBody>
+      </p:sp>
+    </p:spTree>
+  </p:cSld>
+  <p:clrMapOvr>
+    <a:masterClrMapping/>
+  </p:clrMapOvr>
+</p:notes>
+</file>
+
+<file path=ppt/notesSlides/notesSlide11.xml><?xml version="1.0" encoding="utf-8"?>
+<p:notes xmlns:a="http://schemas.openxmlformats.org/drawingml/2006/main" xmlns:r="http://schemas.openxmlformats.org/officeDocument/2006/relationships" xmlns:p="http://schemas.openxmlformats.org/presentationml/2006/main" showMasterSp="0" showMasterPhAnim="0">
+  <p:cSld>
+    <p:spTree>
+      <p:nvGrpSpPr>
+        <p:cNvPr id="1" name="Shape 102"/>
+        <p:cNvGrpSpPr/>
+        <p:nvPr/>
+      </p:nvGrpSpPr>
+      <p:grpSpPr>
+        <a:xfrm>
+          <a:off x="0" y="0"/>
+          <a:ext cx="0" cy="0"/>
+          <a:chOff x="0" y="0"/>
+          <a:chExt cx="0" cy="0"/>
+        </a:xfrm>
+      </p:grpSpPr>
+      <p:sp>
+        <p:nvSpPr>
+          <p:cNvPr id="103" name="Google Shape;103;g9437561b6e_0_29:notes"/>
+          <p:cNvSpPr>
+            <a:spLocks noGrp="1" noRot="1" noChangeAspect="1"/>
+          </p:cNvSpPr>
+          <p:nvPr>
+            <p:ph type="sldImg" idx="2"/>
+          </p:nvPr>
+        </p:nvSpPr>
+        <p:spPr>
+          <a:xfrm>
+            <a:off x="381000" y="685800"/>
+            <a:ext cx="6096000" cy="3429000"/>
+          </a:xfrm>
+          <a:custGeom>
+            <a:avLst/>
+            <a:gdLst/>
+            <a:ahLst/>
+            <a:cxnLst/>
+            <a:rect l="l" t="t" r="r" b="b"/>
+            <a:pathLst>
+              <a:path w="120000" h="120000" extrusionOk="0">
+                <a:moveTo>
+                  <a:pt x="0" y="0"/>
+                </a:moveTo>
+                <a:lnTo>
+                  <a:pt x="120000" y="0"/>
+                </a:lnTo>
+                <a:lnTo>
+                  <a:pt x="120000" y="120000"/>
+                </a:lnTo>
+                <a:lnTo>
+                  <a:pt x="0" y="120000"/>
+                </a:lnTo>
+                <a:close/>
+              </a:path>
+            </a:pathLst>
+          </a:custGeom>
+        </p:spPr>
+      </p:sp>
+      <p:sp>
+        <p:nvSpPr>
+          <p:cNvPr id="104" name="Google Shape;104;g9437561b6e_0_29:notes"/>
+          <p:cNvSpPr txBox="1">
+            <a:spLocks noGrp="1"/>
+          </p:cNvSpPr>
+          <p:nvPr>
+            <p:ph type="body" idx="1"/>
+          </p:nvPr>
+        </p:nvSpPr>
+        <p:spPr>
+          <a:xfrm>
+            <a:off x="685800" y="4343400"/>
+            <a:ext cx="5486400" cy="4114800"/>
+          </a:xfrm>
+          <a:prstGeom prst="rect">
+            <a:avLst/>
+          </a:prstGeom>
+        </p:spPr>
+        <p:txBody>
+          <a:bodyPr spcFirstLastPara="1" wrap="square" lIns="91425" tIns="91425" rIns="91425" bIns="91425" anchor="t" anchorCtr="0">
+            <a:noAutofit/>
+          </a:bodyPr>
+          <a:lstStyle/>
+          <a:p>
+            <a:pPr marL="0" lvl="0" indent="0" algn="l" rtl="0">
+              <a:spcBef>
+                <a:spcPts val="0"/>
+              </a:spcBef>
+              <a:spcAft>
+                <a:spcPts val="0"/>
+              </a:spcAft>
+              <a:buNone/>
+            </a:pPr>
+            <a:endParaRPr/>
+          </a:p>
+        </p:txBody>
+      </p:sp>
+    </p:spTree>
+  </p:cSld>
+  <p:clrMapOvr>
+    <a:masterClrMapping/>
+  </p:clrMapOvr>
+</p:notes>
+</file>
+
 <file path=ppt/notesSlides/notesSlide2.xml><?xml version="1.0" encoding="utf-8"?>
 <p:notes xmlns:a="http://schemas.openxmlformats.org/drawingml/2006/main" xmlns:r="http://schemas.openxmlformats.org/officeDocument/2006/relationships" xmlns:p="http://schemas.openxmlformats.org/presentationml/2006/main" showMasterSp="0" showMasterPhAnim="0">
   <p:cSld>
@@ -1105,6 +1319,115 @@
   <p:cSld>
     <p:spTree>
       <p:nvGrpSpPr>
+        <p:cNvPr id="1" name="Shape 75"/>
+        <p:cNvGrpSpPr/>
+        <p:nvPr/>
+      </p:nvGrpSpPr>
+      <p:grpSpPr>
+        <a:xfrm>
+          <a:off x="0" y="0"/>
+          <a:ext cx="0" cy="0"/>
+          <a:chOff x="0" y="0"/>
+          <a:chExt cx="0" cy="0"/>
+        </a:xfrm>
+      </p:grpSpPr>
+      <p:sp>
+        <p:nvSpPr>
+          <p:cNvPr id="76" name="Google Shape;76;g9437561b6e_0_7:notes"/>
+          <p:cNvSpPr>
+            <a:spLocks noGrp="1" noRot="1" noChangeAspect="1"/>
+          </p:cNvSpPr>
+          <p:nvPr>
+            <p:ph type="sldImg" idx="2"/>
+          </p:nvPr>
+        </p:nvSpPr>
+        <p:spPr>
+          <a:xfrm>
+            <a:off x="381000" y="685800"/>
+            <a:ext cx="6096000" cy="3429000"/>
+          </a:xfrm>
+          <a:custGeom>
+            <a:avLst/>
+            <a:gdLst/>
+            <a:ahLst/>
+            <a:cxnLst/>
+            <a:rect l="l" t="t" r="r" b="b"/>
+            <a:pathLst>
+              <a:path w="120000" h="120000" extrusionOk="0">
+                <a:moveTo>
+                  <a:pt x="0" y="0"/>
+                </a:moveTo>
+                <a:lnTo>
+                  <a:pt x="120000" y="0"/>
+                </a:lnTo>
+                <a:lnTo>
+                  <a:pt x="120000" y="120000"/>
+                </a:lnTo>
+                <a:lnTo>
+                  <a:pt x="0" y="120000"/>
+                </a:lnTo>
+                <a:close/>
+              </a:path>
+            </a:pathLst>
+          </a:custGeom>
+        </p:spPr>
+      </p:sp>
+      <p:sp>
+        <p:nvSpPr>
+          <p:cNvPr id="77" name="Google Shape;77;g9437561b6e_0_7:notes"/>
+          <p:cNvSpPr txBox="1">
+            <a:spLocks noGrp="1"/>
+          </p:cNvSpPr>
+          <p:nvPr>
+            <p:ph type="body" idx="1"/>
+          </p:nvPr>
+        </p:nvSpPr>
+        <p:spPr>
+          <a:xfrm>
+            <a:off x="685800" y="4343400"/>
+            <a:ext cx="5486400" cy="4114800"/>
+          </a:xfrm>
+          <a:prstGeom prst="rect">
+            <a:avLst/>
+          </a:prstGeom>
+        </p:spPr>
+        <p:txBody>
+          <a:bodyPr spcFirstLastPara="1" wrap="square" lIns="91425" tIns="91425" rIns="91425" bIns="91425" anchor="t" anchorCtr="0">
+            <a:noAutofit/>
+          </a:bodyPr>
+          <a:lstStyle/>
+          <a:p>
+            <a:pPr marL="0" lvl="0" indent="0" algn="l" rtl="0">
+              <a:spcBef>
+                <a:spcPts val="0"/>
+              </a:spcBef>
+              <a:spcAft>
+                <a:spcPts val="0"/>
+              </a:spcAft>
+              <a:buNone/>
+            </a:pPr>
+            <a:endParaRPr/>
+          </a:p>
+        </p:txBody>
+      </p:sp>
+    </p:spTree>
+    <p:extLst>
+      <p:ext uri="{BB962C8B-B14F-4D97-AF65-F5344CB8AC3E}">
+        <p14:creationId xmlns:p14="http://schemas.microsoft.com/office/powerpoint/2010/main" val="2448534602"/>
+      </p:ext>
+    </p:extLst>
+  </p:cSld>
+  <p:clrMapOvr>
+    <a:masterClrMapping/>
+  </p:clrMapOvr>
+</p:notes>
+</file>
+
+<file path=ppt/notesSlides/notesSlide7.xml><?xml version="1.0" encoding="utf-8"?>
+<p:notes xmlns:a="http://schemas.openxmlformats.org/drawingml/2006/main" xmlns:r="http://schemas.openxmlformats.org/officeDocument/2006/relationships" xmlns:p="http://schemas.openxmlformats.org/presentationml/2006/main" showMasterSp="0" showMasterPhAnim="0">
+  <p:cSld>
+    <p:spTree>
+      <p:nvGrpSpPr>
         <p:cNvPr id="1" name="Shape 82"/>
         <p:cNvGrpSpPr/>
         <p:nvPr/>
@@ -1204,7 +1527,7 @@
 </p:notes>
 </file>
 
-<file path=ppt/notesSlides/notesSlide7.xml><?xml version="1.0" encoding="utf-8"?>
+<file path=ppt/notesSlides/notesSlide8.xml><?xml version="1.0" encoding="utf-8"?>
 <p:notes xmlns:a="http://schemas.openxmlformats.org/drawingml/2006/main" xmlns:r="http://schemas.openxmlformats.org/officeDocument/2006/relationships" xmlns:p="http://schemas.openxmlformats.org/presentationml/2006/main" showMasterSp="0" showMasterPhAnim="0">
   <p:cSld>
     <p:spTree>
@@ -1308,12 +1631,12 @@
 </p:notes>
 </file>
 
-<file path=ppt/notesSlides/notesSlide8.xml><?xml version="1.0" encoding="utf-8"?>
+<file path=ppt/notesSlides/notesSlide9.xml><?xml version="1.0" encoding="utf-8"?>
 <p:notes xmlns:a="http://schemas.openxmlformats.org/drawingml/2006/main" xmlns:r="http://schemas.openxmlformats.org/officeDocument/2006/relationships" xmlns:p="http://schemas.openxmlformats.org/presentationml/2006/main" showMasterSp="0" showMasterPhAnim="0">
   <p:cSld>
     <p:spTree>
       <p:nvGrpSpPr>
-        <p:cNvPr id="1" name="Shape 95"/>
+        <p:cNvPr id="1" name="Shape 89"/>
         <p:cNvGrpSpPr/>
         <p:nvPr/>
       </p:nvGrpSpPr>
@@ -1327,7 +1650,7 @@
       </p:grpSpPr>
       <p:sp>
         <p:nvSpPr>
-          <p:cNvPr id="96" name="Google Shape;96;g9437561b6e_0_24:notes"/>
+          <p:cNvPr id="90" name="Google Shape;90;g9437561b6e_0_19:notes"/>
           <p:cNvSpPr>
             <a:spLocks noGrp="1" noRot="1" noChangeAspect="1"/>
           </p:cNvSpPr>
@@ -1368,7 +1691,7 @@
       </p:sp>
       <p:sp>
         <p:nvSpPr>
-          <p:cNvPr id="97" name="Google Shape;97;g9437561b6e_0_24:notes"/>
+          <p:cNvPr id="91" name="Google Shape;91;g9437561b6e_0_19:notes"/>
           <p:cNvSpPr txBox="1">
             <a:spLocks noGrp="1"/>
           </p:cNvSpPr>
@@ -1405,110 +1728,11 @@
         </p:txBody>
       </p:sp>
     </p:spTree>
-  </p:cSld>
-  <p:clrMapOvr>
-    <a:masterClrMapping/>
-  </p:clrMapOvr>
-</p:notes>
-</file>
-
-<file path=ppt/notesSlides/notesSlide9.xml><?xml version="1.0" encoding="utf-8"?>
-<p:notes xmlns:a="http://schemas.openxmlformats.org/drawingml/2006/main" xmlns:r="http://schemas.openxmlformats.org/officeDocument/2006/relationships" xmlns:p="http://schemas.openxmlformats.org/presentationml/2006/main" showMasterSp="0" showMasterPhAnim="0">
-  <p:cSld>
-    <p:spTree>
-      <p:nvGrpSpPr>
-        <p:cNvPr id="1" name="Shape 102"/>
-        <p:cNvGrpSpPr/>
-        <p:nvPr/>
-      </p:nvGrpSpPr>
-      <p:grpSpPr>
-        <a:xfrm>
-          <a:off x="0" y="0"/>
-          <a:ext cx="0" cy="0"/>
-          <a:chOff x="0" y="0"/>
-          <a:chExt cx="0" cy="0"/>
-        </a:xfrm>
-      </p:grpSpPr>
-      <p:sp>
-        <p:nvSpPr>
-          <p:cNvPr id="103" name="Google Shape;103;g9437561b6e_0_29:notes"/>
-          <p:cNvSpPr>
-            <a:spLocks noGrp="1" noRot="1" noChangeAspect="1"/>
-          </p:cNvSpPr>
-          <p:nvPr>
-            <p:ph type="sldImg" idx="2"/>
-          </p:nvPr>
-        </p:nvSpPr>
-        <p:spPr>
-          <a:xfrm>
-            <a:off x="381000" y="685800"/>
-            <a:ext cx="6096000" cy="3429000"/>
-          </a:xfrm>
-          <a:custGeom>
-            <a:avLst/>
-            <a:gdLst/>
-            <a:ahLst/>
-            <a:cxnLst/>
-            <a:rect l="l" t="t" r="r" b="b"/>
-            <a:pathLst>
-              <a:path w="120000" h="120000" extrusionOk="0">
-                <a:moveTo>
-                  <a:pt x="0" y="0"/>
-                </a:moveTo>
-                <a:lnTo>
-                  <a:pt x="120000" y="0"/>
-                </a:lnTo>
-                <a:lnTo>
-                  <a:pt x="120000" y="120000"/>
-                </a:lnTo>
-                <a:lnTo>
-                  <a:pt x="0" y="120000"/>
-                </a:lnTo>
-                <a:close/>
-              </a:path>
-            </a:pathLst>
-          </a:custGeom>
-        </p:spPr>
-      </p:sp>
-      <p:sp>
-        <p:nvSpPr>
-          <p:cNvPr id="104" name="Google Shape;104;g9437561b6e_0_29:notes"/>
-          <p:cNvSpPr txBox="1">
-            <a:spLocks noGrp="1"/>
-          </p:cNvSpPr>
-          <p:nvPr>
-            <p:ph type="body" idx="1"/>
-          </p:nvPr>
-        </p:nvSpPr>
-        <p:spPr>
-          <a:xfrm>
-            <a:off x="685800" y="4343400"/>
-            <a:ext cx="5486400" cy="4114800"/>
-          </a:xfrm>
-          <a:prstGeom prst="rect">
-            <a:avLst/>
-          </a:prstGeom>
-        </p:spPr>
-        <p:txBody>
-          <a:bodyPr spcFirstLastPara="1" wrap="square" lIns="91425" tIns="91425" rIns="91425" bIns="91425" anchor="t" anchorCtr="0">
-            <a:noAutofit/>
-          </a:bodyPr>
-          <a:lstStyle/>
-          <a:p>
-            <a:pPr marL="0" lvl="0" indent="0" algn="l" rtl="0">
-              <a:spcBef>
-                <a:spcPts val="0"/>
-              </a:spcBef>
-              <a:spcAft>
-                <a:spcPts val="0"/>
-              </a:spcAft>
-              <a:buNone/>
-            </a:pPr>
-            <a:endParaRPr/>
-          </a:p>
-        </p:txBody>
-      </p:sp>
-    </p:spTree>
+    <p:extLst>
+      <p:ext uri="{BB962C8B-B14F-4D97-AF65-F5344CB8AC3E}">
+        <p14:creationId xmlns:p14="http://schemas.microsoft.com/office/powerpoint/2010/main" val="1239216662"/>
+      </p:ext>
+    </p:extLst>
   </p:cSld>
   <p:clrMapOvr>
     <a:masterClrMapping/>
@@ -22693,6 +22917,1348 @@
           <a:lstStyle/>
           <a:p>
             <a:r>
+              <a:rPr lang="es-ES" dirty="0" err="1" smtClean="0"/>
+              <a:t>Dataset</a:t>
+            </a:r>
+            <a:r>
+              <a:rPr lang="es-ES" dirty="0" smtClean="0"/>
+              <a:t> </a:t>
+            </a:r>
+            <a:r>
+              <a:rPr lang="es-ES" dirty="0" err="1" smtClean="0"/>
+              <a:t>Construction</a:t>
+            </a:r>
+            <a:r>
+              <a:rPr lang="es-ES" dirty="0" smtClean="0"/>
+              <a:t> </a:t>
+            </a:r>
+            <a:endParaRPr lang="es-ES" dirty="0"/>
+          </a:p>
+        </p:txBody>
+      </p:sp>
+      <p:sp>
+        <p:nvSpPr>
+          <p:cNvPr id="3" name="Text Placeholder 2"/>
+          <p:cNvSpPr>
+            <a:spLocks noGrp="1"/>
+          </p:cNvSpPr>
+          <p:nvPr>
+            <p:ph type="body" idx="1"/>
+          </p:nvPr>
+        </p:nvSpPr>
+        <p:spPr/>
+        <p:txBody>
+          <a:bodyPr/>
+          <a:lstStyle/>
+          <a:p>
+            <a:pPr marL="0" lvl="0" indent="0" algn="just">
+              <a:spcBef>
+                <a:spcPts val="1200"/>
+              </a:spcBef>
+              <a:buClr>
+                <a:schemeClr val="dk1"/>
+              </a:buClr>
+              <a:buSzPts val="1100"/>
+              <a:buNone/>
+            </a:pPr>
+            <a:r>
+              <a:rPr lang="en-US" dirty="0"/>
+              <a:t>The historical </a:t>
+            </a:r>
+            <a:r>
+              <a:rPr lang="en-US" dirty="0" err="1"/>
+              <a:t>datas</a:t>
+            </a:r>
+            <a:r>
+              <a:rPr lang="en-US" dirty="0"/>
+              <a:t> are downloaded through yahoo API </a:t>
+            </a:r>
+          </a:p>
+          <a:p>
+            <a:pPr marL="0" lvl="0" indent="0">
+              <a:spcBef>
+                <a:spcPts val="1200"/>
+              </a:spcBef>
+              <a:buClr>
+                <a:schemeClr val="dk1"/>
+              </a:buClr>
+              <a:buSzPts val="1100"/>
+              <a:buNone/>
+            </a:pPr>
+            <a:r>
+              <a:rPr lang="en-US" dirty="0"/>
+              <a:t>I </a:t>
+            </a:r>
+            <a:r>
+              <a:rPr lang="en-US" dirty="0" err="1"/>
+              <a:t>splited</a:t>
+            </a:r>
+            <a:r>
+              <a:rPr lang="en-US" dirty="0"/>
+              <a:t> the </a:t>
+            </a:r>
+            <a:r>
+              <a:rPr lang="en-US" dirty="0" err="1"/>
+              <a:t>datas</a:t>
+            </a:r>
+            <a:r>
+              <a:rPr lang="en-US" dirty="0"/>
+              <a:t> in 4 </a:t>
+            </a:r>
+            <a:r>
+              <a:rPr lang="en-US" dirty="0" err="1"/>
+              <a:t>np.array</a:t>
+            </a:r>
+            <a:r>
+              <a:rPr lang="en-US" dirty="0"/>
+              <a:t> group </a:t>
+            </a:r>
+            <a:r>
+              <a:rPr lang="en-US" dirty="0" err="1"/>
+              <a:t>x_train</a:t>
+            </a:r>
+            <a:r>
+              <a:rPr lang="en-US" dirty="0"/>
+              <a:t>, </a:t>
+            </a:r>
+            <a:r>
+              <a:rPr lang="en-US" dirty="0" err="1"/>
+              <a:t>x_test</a:t>
+            </a:r>
+            <a:r>
+              <a:rPr lang="en-US" dirty="0"/>
+              <a:t> and </a:t>
+            </a:r>
+            <a:r>
+              <a:rPr lang="en-US" dirty="0" err="1"/>
+              <a:t>y_train</a:t>
+            </a:r>
+            <a:r>
+              <a:rPr lang="en-US" dirty="0"/>
+              <a:t>, </a:t>
+            </a:r>
+            <a:r>
+              <a:rPr lang="en-US" dirty="0" err="1"/>
+              <a:t>y_test</a:t>
+            </a:r>
+            <a:r>
+              <a:rPr lang="en-US" dirty="0"/>
+              <a:t> </a:t>
+            </a:r>
+            <a:r>
+              <a:rPr lang="en-US" dirty="0" err="1"/>
+              <a:t>owith</a:t>
+            </a:r>
+            <a:r>
+              <a:rPr lang="en-US" dirty="0"/>
+              <a:t> a total of 23254  images </a:t>
+            </a:r>
+            <a:r>
+              <a:rPr lang="en-US" dirty="0" smtClean="0"/>
+              <a:t>and </a:t>
+            </a:r>
+            <a:r>
+              <a:rPr lang="en-US" dirty="0"/>
+              <a:t>23254 </a:t>
+            </a:r>
+            <a:r>
+              <a:rPr lang="en-US" dirty="0" smtClean="0"/>
+              <a:t>state</a:t>
+            </a:r>
+            <a:endParaRPr lang="es-ES" dirty="0"/>
+          </a:p>
+          <a:p>
+            <a:pPr marL="0" lvl="0" indent="0">
+              <a:spcBef>
+                <a:spcPts val="1200"/>
+              </a:spcBef>
+              <a:buClr>
+                <a:schemeClr val="dk1"/>
+              </a:buClr>
+              <a:buSzPts val="1100"/>
+              <a:buNone/>
+            </a:pPr>
+            <a:endParaRPr lang="es-ES" dirty="0" smtClean="0"/>
+          </a:p>
+          <a:p>
+            <a:pPr marL="0" lvl="0" indent="0">
+              <a:spcBef>
+                <a:spcPts val="1200"/>
+              </a:spcBef>
+              <a:buClr>
+                <a:schemeClr val="dk1"/>
+              </a:buClr>
+              <a:buSzPts val="1100"/>
+              <a:buNone/>
+            </a:pPr>
+            <a:r>
+              <a:rPr lang="es-ES" dirty="0" smtClean="0"/>
+              <a:t>Input </a:t>
+            </a:r>
+            <a:r>
+              <a:rPr lang="es-ES" dirty="0" err="1" smtClean="0"/>
+              <a:t>history</a:t>
+            </a:r>
+            <a:r>
+              <a:rPr lang="es-ES" dirty="0" smtClean="0"/>
+              <a:t> 25 </a:t>
+            </a:r>
+            <a:r>
+              <a:rPr lang="es-ES" dirty="0" err="1" smtClean="0"/>
+              <a:t>past</a:t>
+            </a:r>
+            <a:r>
+              <a:rPr lang="es-ES" dirty="0" smtClean="0"/>
+              <a:t> </a:t>
+            </a:r>
+            <a:r>
+              <a:rPr lang="es-ES" dirty="0" err="1" smtClean="0"/>
+              <a:t>days</a:t>
+            </a:r>
+            <a:r>
+              <a:rPr lang="es-ES" dirty="0" smtClean="0"/>
+              <a:t> of 32 x 32 x3 </a:t>
+            </a:r>
+            <a:r>
+              <a:rPr lang="es-ES" dirty="0" err="1" smtClean="0"/>
+              <a:t>np</a:t>
+            </a:r>
+            <a:r>
+              <a:rPr lang="es-ES" dirty="0" smtClean="0"/>
+              <a:t> </a:t>
+            </a:r>
+            <a:r>
+              <a:rPr lang="es-ES" dirty="0" err="1" smtClean="0"/>
+              <a:t>array</a:t>
+            </a:r>
+            <a:endParaRPr lang="es-ES" dirty="0" smtClean="0"/>
+          </a:p>
+          <a:p>
+            <a:pPr marL="0" lvl="0" indent="0">
+              <a:spcBef>
+                <a:spcPts val="1200"/>
+              </a:spcBef>
+              <a:buClr>
+                <a:schemeClr val="dk1"/>
+              </a:buClr>
+              <a:buSzPts val="1100"/>
+              <a:buNone/>
+            </a:pPr>
+            <a:r>
+              <a:rPr lang="es-ES" dirty="0" err="1" smtClean="0"/>
+              <a:t>Future</a:t>
+            </a:r>
+            <a:r>
+              <a:rPr lang="es-ES" dirty="0" smtClean="0"/>
+              <a:t> </a:t>
+            </a:r>
+            <a:r>
+              <a:rPr lang="es-ES" dirty="0" err="1" smtClean="0"/>
+              <a:t>state</a:t>
+            </a:r>
+            <a:r>
+              <a:rPr lang="es-ES" dirty="0" smtClean="0"/>
+              <a:t> 5 </a:t>
+            </a:r>
+            <a:r>
+              <a:rPr lang="es-ES" dirty="0" err="1" smtClean="0"/>
+              <a:t>next</a:t>
+            </a:r>
+            <a:r>
+              <a:rPr lang="es-ES" dirty="0" smtClean="0"/>
+              <a:t> </a:t>
+            </a:r>
+            <a:r>
+              <a:rPr lang="es-ES" dirty="0" err="1" smtClean="0"/>
+              <a:t>days</a:t>
+            </a:r>
+            <a:r>
+              <a:rPr lang="es-ES" dirty="0" smtClean="0"/>
+              <a:t> </a:t>
+            </a:r>
+            <a:r>
+              <a:rPr lang="es-ES" dirty="0" err="1" smtClean="0"/>
+              <a:t>for</a:t>
+            </a:r>
+            <a:r>
+              <a:rPr lang="es-ES" dirty="0" smtClean="0"/>
+              <a:t> 6 </a:t>
+            </a:r>
+            <a:r>
+              <a:rPr lang="es-ES" dirty="0" err="1" smtClean="0"/>
+              <a:t>states</a:t>
+            </a:r>
+            <a:r>
+              <a:rPr lang="es-ES" dirty="0" smtClean="0"/>
+              <a:t> </a:t>
+            </a:r>
+            <a:r>
+              <a:rPr lang="es-ES" dirty="0" err="1" smtClean="0"/>
+              <a:t>between</a:t>
+            </a:r>
+            <a:r>
+              <a:rPr lang="es-ES" dirty="0" smtClean="0"/>
+              <a:t> </a:t>
+            </a:r>
+            <a:r>
+              <a:rPr lang="en-GB" dirty="0" smtClean="0"/>
+              <a:t>-</a:t>
+            </a:r>
+            <a:r>
+              <a:rPr lang="es-ES" dirty="0" smtClean="0"/>
+              <a:t>1 and 4</a:t>
+            </a:r>
+          </a:p>
+          <a:p>
+            <a:pPr marL="0" lvl="0" indent="0">
+              <a:spcBef>
+                <a:spcPts val="1200"/>
+              </a:spcBef>
+              <a:buClr>
+                <a:schemeClr val="dk1"/>
+              </a:buClr>
+              <a:buSzPts val="1100"/>
+              <a:buNone/>
+            </a:pPr>
+            <a:r>
+              <a:rPr lang="es-ES" b="1" dirty="0" err="1"/>
+              <a:t>Sell-Sell</a:t>
+            </a:r>
+            <a:r>
+              <a:rPr lang="es-ES" b="1" dirty="0"/>
+              <a:t> | </a:t>
+            </a:r>
+            <a:r>
+              <a:rPr lang="es-ES" b="1" dirty="0" err="1"/>
+              <a:t>Sell</a:t>
+            </a:r>
+            <a:r>
+              <a:rPr lang="es-ES" b="1" dirty="0"/>
+              <a:t>- Neutral | Neutral | Neutral -</a:t>
+            </a:r>
+            <a:r>
+              <a:rPr lang="es-ES" b="1" dirty="0" err="1"/>
+              <a:t>Buy</a:t>
+            </a:r>
+            <a:r>
+              <a:rPr lang="es-ES" b="1" dirty="0"/>
+              <a:t> | </a:t>
+            </a:r>
+            <a:r>
+              <a:rPr lang="es-ES" b="1" dirty="0" err="1"/>
+              <a:t>Buy</a:t>
+            </a:r>
+            <a:r>
+              <a:rPr lang="es-ES" b="1" dirty="0"/>
+              <a:t> -</a:t>
+            </a:r>
+            <a:r>
+              <a:rPr lang="es-ES" b="1" dirty="0" err="1"/>
+              <a:t>Buy</a:t>
+            </a:r>
+            <a:r>
+              <a:rPr lang="es-ES" b="1" dirty="0"/>
+              <a:t> | </a:t>
+            </a:r>
+            <a:r>
+              <a:rPr lang="es-ES" b="1" dirty="0" smtClean="0"/>
+              <a:t>Error</a:t>
+            </a:r>
+          </a:p>
+          <a:p>
+            <a:pPr marL="0" lvl="0" indent="0">
+              <a:spcBef>
+                <a:spcPts val="1200"/>
+              </a:spcBef>
+              <a:buClr>
+                <a:schemeClr val="dk1"/>
+              </a:buClr>
+              <a:buSzPts val="1100"/>
+              <a:buNone/>
+            </a:pPr>
+            <a:endParaRPr lang="en-GB" b="1" dirty="0"/>
+          </a:p>
+          <a:p>
+            <a:pPr marL="0" lvl="0" indent="0">
+              <a:spcBef>
+                <a:spcPts val="1200"/>
+              </a:spcBef>
+              <a:buClr>
+                <a:schemeClr val="dk1"/>
+              </a:buClr>
+              <a:buSzPts val="1100"/>
+              <a:buNone/>
+            </a:pPr>
+            <a:r>
+              <a:rPr lang="en-GB" dirty="0" smtClean="0"/>
+              <a:t>NB: on split on time horizon minute day  week month years </a:t>
+            </a:r>
+            <a:endParaRPr lang="en-US" dirty="0"/>
+          </a:p>
+        </p:txBody>
+      </p:sp>
+    </p:spTree>
+    <p:extLst>
+      <p:ext uri="{BB962C8B-B14F-4D97-AF65-F5344CB8AC3E}">
+        <p14:creationId xmlns:p14="http://schemas.microsoft.com/office/powerpoint/2010/main" val="1967709333"/>
+      </p:ext>
+    </p:extLst>
+  </p:cSld>
+  <p:clrMapOvr>
+    <a:masterClrMapping/>
+  </p:clrMapOvr>
+</p:sld>
+</file>
+
+<file path=ppt/slides/slide11.xml><?xml version="1.0" encoding="utf-8"?>
+<p:sld xmlns:a="http://schemas.openxmlformats.org/drawingml/2006/main" xmlns:r="http://schemas.openxmlformats.org/officeDocument/2006/relationships" xmlns:p="http://schemas.openxmlformats.org/presentationml/2006/main">
+  <p:cSld>
+    <p:bg>
+      <p:bgPr>
+        <a:gradFill>
+          <a:gsLst>
+            <a:gs pos="0">
+              <a:schemeClr val="accent1">
+                <a:lumMod val="5000"/>
+                <a:lumOff val="95000"/>
+              </a:schemeClr>
+            </a:gs>
+            <a:gs pos="74000">
+              <a:schemeClr val="accent1">
+                <a:lumMod val="45000"/>
+                <a:lumOff val="55000"/>
+              </a:schemeClr>
+            </a:gs>
+            <a:gs pos="83000">
+              <a:schemeClr val="accent1">
+                <a:lumMod val="45000"/>
+                <a:lumOff val="55000"/>
+              </a:schemeClr>
+            </a:gs>
+            <a:gs pos="100000">
+              <a:schemeClr val="accent1">
+                <a:lumMod val="30000"/>
+                <a:lumOff val="70000"/>
+              </a:schemeClr>
+            </a:gs>
+          </a:gsLst>
+          <a:lin ang="5400000" scaled="1"/>
+        </a:gradFill>
+        <a:effectLst/>
+      </p:bgPr>
+    </p:bg>
+    <p:spTree>
+      <p:nvGrpSpPr>
+        <p:cNvPr id="1" name="Shape 98"/>
+        <p:cNvGrpSpPr/>
+        <p:nvPr/>
+      </p:nvGrpSpPr>
+      <p:grpSpPr>
+        <a:xfrm>
+          <a:off x="0" y="0"/>
+          <a:ext cx="0" cy="0"/>
+          <a:chOff x="0" y="0"/>
+          <a:chExt cx="0" cy="0"/>
+        </a:xfrm>
+      </p:grpSpPr>
+      <p:sp>
+        <p:nvSpPr>
+          <p:cNvPr id="99" name="Google Shape;99;p20"/>
+          <p:cNvSpPr txBox="1">
+            <a:spLocks noGrp="1"/>
+          </p:cNvSpPr>
+          <p:nvPr>
+            <p:ph type="title"/>
+          </p:nvPr>
+        </p:nvSpPr>
+        <p:spPr>
+          <a:prstGeom prst="rect">
+            <a:avLst/>
+          </a:prstGeom>
+        </p:spPr>
+        <p:txBody>
+          <a:bodyPr spcFirstLastPara="1" wrap="square" lIns="91425" tIns="91425" rIns="91425" bIns="91425" anchor="t" anchorCtr="0">
+            <a:noAutofit/>
+          </a:bodyPr>
+          <a:lstStyle/>
+          <a:p>
+            <a:pPr marL="0" lvl="0" indent="0" algn="l" rtl="0">
+              <a:spcBef>
+                <a:spcPts val="0"/>
+              </a:spcBef>
+              <a:spcAft>
+                <a:spcPts val="0"/>
+              </a:spcAft>
+              <a:buNone/>
+            </a:pPr>
+            <a:endParaRPr/>
+          </a:p>
+        </p:txBody>
+      </p:sp>
+      <p:sp>
+        <p:nvSpPr>
+          <p:cNvPr id="100" name="Google Shape;100;p20"/>
+          <p:cNvSpPr txBox="1">
+            <a:spLocks noGrp="1"/>
+          </p:cNvSpPr>
+          <p:nvPr>
+            <p:ph type="body" idx="1"/>
+          </p:nvPr>
+        </p:nvSpPr>
+        <p:spPr>
+          <a:prstGeom prst="rect">
+            <a:avLst/>
+          </a:prstGeom>
+        </p:spPr>
+        <p:txBody>
+          <a:bodyPr spcFirstLastPara="1" wrap="square" lIns="91425" tIns="91425" rIns="91425" bIns="91425" anchor="t" anchorCtr="0">
+            <a:noAutofit/>
+          </a:bodyPr>
+          <a:lstStyle/>
+          <a:p>
+            <a:pPr marL="0" lvl="0" indent="0" algn="l" rtl="0">
+              <a:spcBef>
+                <a:spcPts val="0"/>
+              </a:spcBef>
+              <a:spcAft>
+                <a:spcPts val="1600"/>
+              </a:spcAft>
+              <a:buNone/>
+            </a:pPr>
+            <a:endParaRPr/>
+          </a:p>
+        </p:txBody>
+      </p:sp>
+      <p:pic>
+        <p:nvPicPr>
+          <p:cNvPr id="101" name="Google Shape;101;p20"/>
+          <p:cNvPicPr preferRelativeResize="0"/>
+          <p:nvPr/>
+        </p:nvPicPr>
+        <p:blipFill>
+          <a:blip r:embed="rId3">
+            <a:alphaModFix/>
+          </a:blip>
+          <a:stretch>
+            <a:fillRect/>
+          </a:stretch>
+        </p:blipFill>
+        <p:spPr>
+          <a:xfrm>
+            <a:off x="311700" y="498813"/>
+            <a:ext cx="7354012" cy="4123850"/>
+          </a:xfrm>
+          <a:prstGeom prst="rect">
+            <a:avLst/>
+          </a:prstGeom>
+          <a:noFill/>
+          <a:ln>
+            <a:noFill/>
+          </a:ln>
+        </p:spPr>
+      </p:pic>
+    </p:spTree>
+  </p:cSld>
+  <p:clrMapOvr>
+    <a:masterClrMapping/>
+  </p:clrMapOvr>
+  <p:timing>
+    <p:tnLst>
+      <p:par>
+        <p:cTn id="1" dur="indefinite" restart="never" nodeType="tmRoot"/>
+      </p:par>
+    </p:tnLst>
+  </p:timing>
+</p:sld>
+</file>
+
+<file path=ppt/slides/slide12.xml><?xml version="1.0" encoding="utf-8"?>
+<p:sld xmlns:a="http://schemas.openxmlformats.org/drawingml/2006/main" xmlns:r="http://schemas.openxmlformats.org/officeDocument/2006/relationships" xmlns:p="http://schemas.openxmlformats.org/presentationml/2006/main">
+  <p:cSld>
+    <p:bg>
+      <p:bgPr>
+        <a:gradFill>
+          <a:gsLst>
+            <a:gs pos="0">
+              <a:schemeClr val="accent1">
+                <a:lumMod val="5000"/>
+                <a:lumOff val="95000"/>
+              </a:schemeClr>
+            </a:gs>
+            <a:gs pos="74000">
+              <a:schemeClr val="accent1">
+                <a:lumMod val="45000"/>
+                <a:lumOff val="55000"/>
+              </a:schemeClr>
+            </a:gs>
+            <a:gs pos="83000">
+              <a:schemeClr val="accent1">
+                <a:lumMod val="45000"/>
+                <a:lumOff val="55000"/>
+              </a:schemeClr>
+            </a:gs>
+            <a:gs pos="100000">
+              <a:schemeClr val="accent1">
+                <a:lumMod val="30000"/>
+                <a:lumOff val="70000"/>
+              </a:schemeClr>
+            </a:gs>
+          </a:gsLst>
+          <a:lin ang="5400000" scaled="1"/>
+        </a:gradFill>
+        <a:effectLst/>
+      </p:bgPr>
+    </p:bg>
+    <p:spTree>
+      <p:nvGrpSpPr>
+        <p:cNvPr id="1" name="Shape 105"/>
+        <p:cNvGrpSpPr/>
+        <p:nvPr/>
+      </p:nvGrpSpPr>
+      <p:grpSpPr>
+        <a:xfrm>
+          <a:off x="0" y="0"/>
+          <a:ext cx="0" cy="0"/>
+          <a:chOff x="0" y="0"/>
+          <a:chExt cx="0" cy="0"/>
+        </a:xfrm>
+      </p:grpSpPr>
+      <p:sp>
+        <p:nvSpPr>
+          <p:cNvPr id="106" name="Google Shape;106;p21"/>
+          <p:cNvSpPr txBox="1">
+            <a:spLocks noGrp="1"/>
+          </p:cNvSpPr>
+          <p:nvPr>
+            <p:ph type="title"/>
+          </p:nvPr>
+        </p:nvSpPr>
+        <p:spPr>
+          <a:prstGeom prst="rect">
+            <a:avLst/>
+          </a:prstGeom>
+        </p:spPr>
+        <p:txBody>
+          <a:bodyPr spcFirstLastPara="1" wrap="square" lIns="91425" tIns="91425" rIns="91425" bIns="91425" anchor="t" anchorCtr="0">
+            <a:noAutofit/>
+          </a:bodyPr>
+          <a:lstStyle/>
+          <a:p>
+            <a:pPr marL="0" lvl="0" indent="0" algn="l" rtl="0">
+              <a:lnSpc>
+                <a:spcPct val="115000"/>
+              </a:lnSpc>
+              <a:spcBef>
+                <a:spcPts val="2400"/>
+              </a:spcBef>
+              <a:spcAft>
+                <a:spcPts val="600"/>
+              </a:spcAft>
+              <a:buNone/>
+            </a:pPr>
+            <a:r>
+              <a:rPr lang="en" sz="2300" b="1"/>
+              <a:t>Description of the methodology and tools used </a:t>
+            </a:r>
+            <a:endParaRPr/>
+          </a:p>
+        </p:txBody>
+      </p:sp>
+      <p:sp>
+        <p:nvSpPr>
+          <p:cNvPr id="107" name="Google Shape;107;p21"/>
+          <p:cNvSpPr txBox="1">
+            <a:spLocks noGrp="1"/>
+          </p:cNvSpPr>
+          <p:nvPr>
+            <p:ph type="body" idx="1"/>
+          </p:nvPr>
+        </p:nvSpPr>
+        <p:spPr>
+          <a:prstGeom prst="rect">
+            <a:avLst/>
+          </a:prstGeom>
+        </p:spPr>
+        <p:txBody>
+          <a:bodyPr spcFirstLastPara="1" wrap="square" lIns="91425" tIns="91425" rIns="91425" bIns="91425" anchor="t" anchorCtr="0">
+            <a:noAutofit/>
+          </a:bodyPr>
+          <a:lstStyle/>
+          <a:p>
+            <a:pPr marL="0" indent="0">
+              <a:buNone/>
+            </a:pPr>
+            <a:r>
+              <a:rPr lang="en" dirty="0" smtClean="0"/>
+              <a:t>Colab, Tensorflow Keras, </a:t>
+            </a:r>
+            <a:r>
+              <a:rPr lang="es-ES" dirty="0" err="1"/>
+              <a:t>Transfert</a:t>
+            </a:r>
+            <a:r>
+              <a:rPr lang="es-ES" dirty="0"/>
+              <a:t> </a:t>
+            </a:r>
+            <a:r>
+              <a:rPr lang="es-ES" dirty="0" err="1"/>
+              <a:t>Learning</a:t>
+            </a:r>
+            <a:r>
+              <a:rPr lang="es-ES" dirty="0"/>
+              <a:t> </a:t>
+            </a:r>
+            <a:r>
+              <a:rPr lang="es-ES" dirty="0" smtClean="0">
+                <a:sym typeface="Times New Roman"/>
+              </a:rPr>
+              <a:t>Vgg16  </a:t>
+            </a:r>
+            <a:endParaRPr lang="es-ES" dirty="0"/>
+          </a:p>
+          <a:p>
+            <a:pPr marL="0" lvl="0" indent="0">
+              <a:buNone/>
+            </a:pPr>
+            <a:r>
+              <a:rPr lang="es-ES" sz="1400" dirty="0" err="1"/>
+              <a:t>batch_size</a:t>
+            </a:r>
+            <a:r>
+              <a:rPr lang="es-ES" sz="1400" dirty="0"/>
+              <a:t>=[25,50,100]</a:t>
+            </a:r>
+          </a:p>
+          <a:p>
+            <a:pPr marL="0" lvl="0" indent="0">
+              <a:buNone/>
+            </a:pPr>
+            <a:r>
+              <a:rPr lang="es-ES" sz="1400" dirty="0" err="1"/>
+              <a:t>epochs</a:t>
+            </a:r>
+            <a:r>
+              <a:rPr lang="es-ES" sz="1400" dirty="0"/>
+              <a:t>=[25,50,100]</a:t>
+            </a:r>
+          </a:p>
+          <a:p>
+            <a:pPr marL="0" lvl="0" indent="0">
+              <a:buNone/>
+            </a:pPr>
+            <a:r>
+              <a:rPr lang="es-ES" sz="1400" dirty="0" err="1"/>
+              <a:t>learning_rate</a:t>
+            </a:r>
+            <a:r>
+              <a:rPr lang="es-ES" sz="1400" dirty="0"/>
+              <a:t>=[0.001,0.01,0.1]</a:t>
+            </a:r>
+          </a:p>
+          <a:p>
+            <a:pPr marL="0" lvl="0" indent="0">
+              <a:buNone/>
+            </a:pPr>
+            <a:r>
+              <a:rPr lang="es-ES" sz="1400" dirty="0" err="1"/>
+              <a:t>optimizer_name</a:t>
+            </a:r>
+            <a:r>
+              <a:rPr lang="es-ES" sz="1400" dirty="0"/>
+              <a:t>= SGD, </a:t>
+            </a:r>
+            <a:r>
+              <a:rPr lang="es-ES" sz="1400" dirty="0" err="1"/>
+              <a:t>RMSprop</a:t>
+            </a:r>
+            <a:r>
+              <a:rPr lang="es-ES" sz="1400" dirty="0"/>
+              <a:t>, Adam, </a:t>
+            </a:r>
+            <a:r>
+              <a:rPr lang="es-ES" sz="1400" dirty="0" err="1"/>
+              <a:t>Adagrad</a:t>
+            </a:r>
+            <a:r>
+              <a:rPr lang="es-ES" sz="1400" dirty="0"/>
+              <a:t>, </a:t>
+            </a:r>
+            <a:r>
+              <a:rPr lang="es-ES" sz="1400" dirty="0" err="1"/>
+              <a:t>Adamax</a:t>
+            </a:r>
+            <a:r>
+              <a:rPr lang="es-ES" sz="1400" dirty="0"/>
+              <a:t>, </a:t>
+            </a:r>
+            <a:r>
+              <a:rPr lang="es-ES" sz="1400" dirty="0" err="1"/>
+              <a:t>Ftrl</a:t>
+            </a:r>
+            <a:endParaRPr lang="es-ES" sz="1400" dirty="0"/>
+          </a:p>
+          <a:p>
+            <a:pPr marL="0" lvl="0" indent="0" algn="l" rtl="0">
+              <a:spcBef>
+                <a:spcPts val="0"/>
+              </a:spcBef>
+              <a:spcAft>
+                <a:spcPts val="0"/>
+              </a:spcAft>
+              <a:buNone/>
+            </a:pPr>
+            <a:endParaRPr dirty="0"/>
+          </a:p>
+        </p:txBody>
+      </p:sp>
+      <p:pic>
+        <p:nvPicPr>
+          <p:cNvPr id="5" name="Picture 4"/>
+          <p:cNvPicPr/>
+          <p:nvPr/>
+        </p:nvPicPr>
+        <p:blipFill>
+          <a:blip r:embed="rId3"/>
+          <a:stretch>
+            <a:fillRect/>
+          </a:stretch>
+        </p:blipFill>
+        <p:spPr>
+          <a:xfrm>
+            <a:off x="1899556" y="2237570"/>
+            <a:ext cx="5196205" cy="2764790"/>
+          </a:xfrm>
+          <a:prstGeom prst="rect">
+            <a:avLst/>
+          </a:prstGeom>
+        </p:spPr>
+      </p:pic>
+    </p:spTree>
+  </p:cSld>
+  <p:clrMapOvr>
+    <a:masterClrMapping/>
+  </p:clrMapOvr>
+  <p:timing>
+    <p:tnLst>
+      <p:par>
+        <p:cTn id="1" dur="indefinite" restart="never" nodeType="tmRoot"/>
+      </p:par>
+    </p:tnLst>
+  </p:timing>
+</p:sld>
+</file>
+
+<file path=ppt/slides/slide13.xml><?xml version="1.0" encoding="utf-8"?>
+<p:sld xmlns:a="http://schemas.openxmlformats.org/drawingml/2006/main" xmlns:r="http://schemas.openxmlformats.org/officeDocument/2006/relationships" xmlns:p="http://schemas.openxmlformats.org/presentationml/2006/main">
+  <p:cSld>
+    <p:bg>
+      <p:bgPr>
+        <a:gradFill>
+          <a:gsLst>
+            <a:gs pos="0">
+              <a:schemeClr val="accent1">
+                <a:lumMod val="5000"/>
+                <a:lumOff val="95000"/>
+              </a:schemeClr>
+            </a:gs>
+            <a:gs pos="74000">
+              <a:schemeClr val="accent1">
+                <a:lumMod val="45000"/>
+                <a:lumOff val="55000"/>
+              </a:schemeClr>
+            </a:gs>
+            <a:gs pos="83000">
+              <a:schemeClr val="accent1">
+                <a:lumMod val="45000"/>
+                <a:lumOff val="55000"/>
+              </a:schemeClr>
+            </a:gs>
+            <a:gs pos="100000">
+              <a:schemeClr val="accent1">
+                <a:lumMod val="30000"/>
+                <a:lumOff val="70000"/>
+              </a:schemeClr>
+            </a:gs>
+          </a:gsLst>
+          <a:lin ang="5400000" scaled="1"/>
+        </a:gradFill>
+        <a:effectLst/>
+      </p:bgPr>
+    </p:bg>
+    <p:spTree>
+      <p:nvGrpSpPr>
+        <p:cNvPr id="1" name=""/>
+        <p:cNvGrpSpPr/>
+        <p:nvPr/>
+      </p:nvGrpSpPr>
+      <p:grpSpPr>
+        <a:xfrm>
+          <a:off x="0" y="0"/>
+          <a:ext cx="0" cy="0"/>
+          <a:chOff x="0" y="0"/>
+          <a:chExt cx="0" cy="0"/>
+        </a:xfrm>
+      </p:grpSpPr>
+      <p:sp>
+        <p:nvSpPr>
+          <p:cNvPr id="2" name="Title 1"/>
+          <p:cNvSpPr>
+            <a:spLocks noGrp="1"/>
+          </p:cNvSpPr>
+          <p:nvPr>
+            <p:ph type="title"/>
+          </p:nvPr>
+        </p:nvSpPr>
+        <p:spPr/>
+        <p:txBody>
+          <a:bodyPr/>
+          <a:lstStyle/>
+          <a:p>
+            <a:r>
+              <a:rPr lang="en-GB" dirty="0" smtClean="0"/>
+              <a:t>Vgg16 </a:t>
+            </a:r>
+            <a:endParaRPr lang="es-ES" dirty="0"/>
+          </a:p>
+        </p:txBody>
+      </p:sp>
+      <p:pic>
+        <p:nvPicPr>
+          <p:cNvPr id="4" name="Picture 3"/>
+          <p:cNvPicPr>
+            <a:picLocks noChangeAspect="1"/>
+          </p:cNvPicPr>
+          <p:nvPr/>
+        </p:nvPicPr>
+        <p:blipFill>
+          <a:blip r:embed="rId2"/>
+          <a:stretch>
+            <a:fillRect/>
+          </a:stretch>
+        </p:blipFill>
+        <p:spPr>
+          <a:xfrm>
+            <a:off x="280987" y="1152475"/>
+            <a:ext cx="8582025" cy="3838575"/>
+          </a:xfrm>
+          <a:prstGeom prst="rect">
+            <a:avLst/>
+          </a:prstGeom>
+        </p:spPr>
+      </p:pic>
+      <p:sp>
+        <p:nvSpPr>
+          <p:cNvPr id="3" name="Text Placeholder 2"/>
+          <p:cNvSpPr>
+            <a:spLocks noGrp="1"/>
+          </p:cNvSpPr>
+          <p:nvPr>
+            <p:ph type="body" idx="1"/>
+          </p:nvPr>
+        </p:nvSpPr>
+        <p:spPr/>
+        <p:txBody>
+          <a:bodyPr/>
+          <a:lstStyle/>
+          <a:p>
+            <a:endParaRPr lang="es-ES" dirty="0"/>
+          </a:p>
+        </p:txBody>
+      </p:sp>
+    </p:spTree>
+    <p:extLst>
+      <p:ext uri="{BB962C8B-B14F-4D97-AF65-F5344CB8AC3E}">
+        <p14:creationId xmlns:p14="http://schemas.microsoft.com/office/powerpoint/2010/main" val="2437189369"/>
+      </p:ext>
+    </p:extLst>
+  </p:cSld>
+  <p:clrMapOvr>
+    <a:masterClrMapping/>
+  </p:clrMapOvr>
+</p:sld>
+</file>
+
+<file path=ppt/slides/slide14.xml><?xml version="1.0" encoding="utf-8"?>
+<p:sld xmlns:a="http://schemas.openxmlformats.org/drawingml/2006/main" xmlns:r="http://schemas.openxmlformats.org/officeDocument/2006/relationships" xmlns:p="http://schemas.openxmlformats.org/presentationml/2006/main">
+  <p:cSld>
+    <p:bg>
+      <p:bgPr>
+        <a:gradFill>
+          <a:gsLst>
+            <a:gs pos="0">
+              <a:schemeClr val="accent1">
+                <a:lumMod val="5000"/>
+                <a:lumOff val="95000"/>
+              </a:schemeClr>
+            </a:gs>
+            <a:gs pos="74000">
+              <a:schemeClr val="accent1">
+                <a:lumMod val="45000"/>
+                <a:lumOff val="55000"/>
+              </a:schemeClr>
+            </a:gs>
+            <a:gs pos="83000">
+              <a:schemeClr val="accent1">
+                <a:lumMod val="45000"/>
+                <a:lumOff val="55000"/>
+              </a:schemeClr>
+            </a:gs>
+            <a:gs pos="100000">
+              <a:schemeClr val="accent1">
+                <a:lumMod val="30000"/>
+                <a:lumOff val="70000"/>
+              </a:schemeClr>
+            </a:gs>
+          </a:gsLst>
+          <a:lin ang="5400000" scaled="1"/>
+        </a:gradFill>
+        <a:effectLst/>
+      </p:bgPr>
+    </p:bg>
+    <p:spTree>
+      <p:nvGrpSpPr>
+        <p:cNvPr id="1" name=""/>
+        <p:cNvGrpSpPr/>
+        <p:nvPr/>
+      </p:nvGrpSpPr>
+      <p:grpSpPr>
+        <a:xfrm>
+          <a:off x="0" y="0"/>
+          <a:ext cx="0" cy="0"/>
+          <a:chOff x="0" y="0"/>
+          <a:chExt cx="0" cy="0"/>
+        </a:xfrm>
+      </p:grpSpPr>
+      <p:sp>
+        <p:nvSpPr>
+          <p:cNvPr id="2" name="Title 1"/>
+          <p:cNvSpPr>
+            <a:spLocks noGrp="1"/>
+          </p:cNvSpPr>
+          <p:nvPr>
+            <p:ph type="title"/>
+          </p:nvPr>
+        </p:nvSpPr>
+        <p:spPr/>
+        <p:txBody>
+          <a:bodyPr/>
+          <a:lstStyle/>
+          <a:p>
+            <a:r>
+              <a:rPr lang="en-GB" dirty="0" smtClean="0"/>
+              <a:t>Search best parameter</a:t>
+            </a:r>
+            <a:endParaRPr lang="es-ES" dirty="0"/>
+          </a:p>
+        </p:txBody>
+      </p:sp>
+      <p:sp>
+        <p:nvSpPr>
+          <p:cNvPr id="3" name="Text Placeholder 2"/>
+          <p:cNvSpPr>
+            <a:spLocks noGrp="1"/>
+          </p:cNvSpPr>
+          <p:nvPr>
+            <p:ph type="body" idx="1"/>
+          </p:nvPr>
+        </p:nvSpPr>
+        <p:spPr/>
+        <p:txBody>
+          <a:bodyPr/>
+          <a:lstStyle/>
+          <a:p>
+            <a:pPr marL="114300" indent="0">
+              <a:buNone/>
+            </a:pPr>
+            <a:r>
+              <a:rPr lang="es-ES" dirty="0" err="1" smtClean="0"/>
+              <a:t>We</a:t>
+            </a:r>
+            <a:r>
+              <a:rPr lang="es-ES" dirty="0"/>
+              <a:t> can </a:t>
+            </a:r>
+            <a:r>
+              <a:rPr lang="es-ES" dirty="0" err="1"/>
+              <a:t>modify</a:t>
+            </a:r>
+            <a:r>
+              <a:rPr lang="es-ES" dirty="0"/>
+              <a:t> </a:t>
+            </a:r>
+            <a:r>
+              <a:rPr lang="es-ES" dirty="0" err="1"/>
+              <a:t>batch</a:t>
+            </a:r>
+            <a:r>
+              <a:rPr lang="es-ES" dirty="0"/>
+              <a:t> </a:t>
+            </a:r>
+            <a:r>
+              <a:rPr lang="es-ES" dirty="0" err="1"/>
+              <a:t>size</a:t>
+            </a:r>
+            <a:r>
+              <a:rPr lang="es-ES" dirty="0"/>
+              <a:t> and </a:t>
+            </a:r>
+            <a:r>
+              <a:rPr lang="es-ES" dirty="0" err="1"/>
+              <a:t>epochs</a:t>
+            </a:r>
+            <a:r>
+              <a:rPr lang="es-ES" dirty="0"/>
+              <a:t> to </a:t>
+            </a:r>
+            <a:r>
+              <a:rPr lang="es-ES" dirty="0" err="1"/>
+              <a:t>adjust</a:t>
+            </a:r>
+            <a:r>
+              <a:rPr lang="es-ES" dirty="0"/>
+              <a:t> </a:t>
+            </a:r>
+            <a:r>
+              <a:rPr lang="es-ES" dirty="0" err="1"/>
+              <a:t>improve</a:t>
+            </a:r>
+            <a:r>
+              <a:rPr lang="es-ES" dirty="0"/>
+              <a:t> </a:t>
+            </a:r>
+            <a:r>
+              <a:rPr lang="es-ES" dirty="0" err="1"/>
+              <a:t>the</a:t>
+            </a:r>
+            <a:r>
+              <a:rPr lang="es-ES" dirty="0"/>
+              <a:t> training</a:t>
+            </a:r>
+          </a:p>
+          <a:p>
+            <a:r>
+              <a:rPr lang="es-ES" dirty="0" err="1"/>
+              <a:t>l_batch_size</a:t>
+            </a:r>
+            <a:r>
+              <a:rPr lang="es-ES" dirty="0"/>
+              <a:t>=[25,50,100]</a:t>
+            </a:r>
+          </a:p>
+          <a:p>
+            <a:r>
+              <a:rPr lang="es-ES" dirty="0" err="1"/>
+              <a:t>l_epochs</a:t>
+            </a:r>
+            <a:r>
+              <a:rPr lang="es-ES" dirty="0"/>
+              <a:t>=[25,50,100]</a:t>
+            </a:r>
+          </a:p>
+          <a:p>
+            <a:r>
+              <a:rPr lang="es-ES" dirty="0" err="1"/>
+              <a:t>l_learning_rate</a:t>
+            </a:r>
+            <a:r>
+              <a:rPr lang="es-ES" dirty="0"/>
+              <a:t>=[0.001,0.01,0.1]</a:t>
+            </a:r>
+          </a:p>
+          <a:p>
+            <a:r>
+              <a:rPr lang="es-ES" dirty="0" err="1"/>
+              <a:t>l_optimizer_name</a:t>
+            </a:r>
+            <a:r>
+              <a:rPr lang="es-ES" dirty="0"/>
+              <a:t>=[</a:t>
+            </a:r>
+            <a:r>
+              <a:rPr lang="es-ES" dirty="0" err="1"/>
+              <a:t>keras.optimizers.SGD</a:t>
+            </a:r>
+            <a:r>
+              <a:rPr lang="es-ES" dirty="0"/>
+              <a:t>, </a:t>
+            </a:r>
+            <a:endParaRPr lang="es-ES" dirty="0" smtClean="0"/>
+          </a:p>
+          <a:p>
+            <a:pPr marL="114300" indent="0">
+              <a:buNone/>
+            </a:pPr>
+            <a:r>
+              <a:rPr lang="es-ES" dirty="0"/>
+              <a:t>	</a:t>
+            </a:r>
+            <a:r>
+              <a:rPr lang="es-ES" dirty="0" smtClean="0"/>
+              <a:t>		</a:t>
+            </a:r>
+            <a:r>
+              <a:rPr lang="es-ES" dirty="0" err="1" smtClean="0"/>
+              <a:t>keras.optimizers.RMSprop</a:t>
+            </a:r>
+            <a:r>
+              <a:rPr lang="es-ES" dirty="0" smtClean="0"/>
+              <a:t>,</a:t>
+            </a:r>
+          </a:p>
+          <a:p>
+            <a:pPr marL="114300" indent="0">
+              <a:buNone/>
+            </a:pPr>
+            <a:r>
+              <a:rPr lang="es-ES" dirty="0"/>
+              <a:t>	</a:t>
+            </a:r>
+            <a:r>
+              <a:rPr lang="es-ES" dirty="0" smtClean="0"/>
+              <a:t>		</a:t>
+            </a:r>
+            <a:r>
+              <a:rPr lang="es-ES" dirty="0" err="1" smtClean="0"/>
+              <a:t>keras.optimizers.Adam</a:t>
+            </a:r>
+            <a:r>
+              <a:rPr lang="es-ES" dirty="0"/>
+              <a:t>, </a:t>
+            </a:r>
+            <a:endParaRPr lang="es-ES" dirty="0" smtClean="0"/>
+          </a:p>
+          <a:p>
+            <a:pPr marL="114300" indent="0">
+              <a:buNone/>
+            </a:pPr>
+            <a:r>
+              <a:rPr lang="es-ES" dirty="0" smtClean="0"/>
+              <a:t>			</a:t>
+            </a:r>
+            <a:r>
+              <a:rPr lang="es-ES" dirty="0" err="1" smtClean="0"/>
+              <a:t>keras.optimizers.Adagrad</a:t>
+            </a:r>
+            <a:r>
+              <a:rPr lang="es-ES" dirty="0"/>
+              <a:t>, </a:t>
+            </a:r>
+            <a:endParaRPr lang="es-ES" dirty="0" smtClean="0"/>
+          </a:p>
+          <a:p>
+            <a:pPr marL="114300" indent="0">
+              <a:buNone/>
+            </a:pPr>
+            <a:r>
+              <a:rPr lang="es-ES" dirty="0" smtClean="0"/>
+              <a:t>			</a:t>
+            </a:r>
+            <a:r>
+              <a:rPr lang="es-ES" dirty="0" err="1" smtClean="0"/>
+              <a:t>keras.optimizers.Adamax</a:t>
+            </a:r>
+            <a:r>
+              <a:rPr lang="es-ES" dirty="0"/>
+              <a:t>, </a:t>
+            </a:r>
+            <a:endParaRPr lang="es-ES" dirty="0" smtClean="0"/>
+          </a:p>
+          <a:p>
+            <a:pPr marL="114300" indent="0">
+              <a:buNone/>
+            </a:pPr>
+            <a:r>
+              <a:rPr lang="es-ES" smtClean="0"/>
+              <a:t>			keras.optimizers.Ftrl</a:t>
+            </a:r>
+            <a:r>
+              <a:rPr lang="es-ES" dirty="0" smtClean="0"/>
+              <a:t>]</a:t>
+            </a:r>
+            <a:endParaRPr lang="es-ES" dirty="0"/>
+          </a:p>
+        </p:txBody>
+      </p:sp>
+    </p:spTree>
+    <p:extLst>
+      <p:ext uri="{BB962C8B-B14F-4D97-AF65-F5344CB8AC3E}">
+        <p14:creationId xmlns:p14="http://schemas.microsoft.com/office/powerpoint/2010/main" val="650179152"/>
+      </p:ext>
+    </p:extLst>
+  </p:cSld>
+  <p:clrMapOvr>
+    <a:masterClrMapping/>
+  </p:clrMapOvr>
+</p:sld>
+</file>
+
+<file path=ppt/slides/slide15.xml><?xml version="1.0" encoding="utf-8"?>
+<p:sld xmlns:a="http://schemas.openxmlformats.org/drawingml/2006/main" xmlns:r="http://schemas.openxmlformats.org/officeDocument/2006/relationships" xmlns:p="http://schemas.openxmlformats.org/presentationml/2006/main">
+  <p:cSld>
+    <p:bg>
+      <p:bgPr>
+        <a:gradFill>
+          <a:gsLst>
+            <a:gs pos="0">
+              <a:schemeClr val="accent1">
+                <a:lumMod val="5000"/>
+                <a:lumOff val="95000"/>
+              </a:schemeClr>
+            </a:gs>
+            <a:gs pos="74000">
+              <a:schemeClr val="accent1">
+                <a:lumMod val="45000"/>
+                <a:lumOff val="55000"/>
+              </a:schemeClr>
+            </a:gs>
+            <a:gs pos="83000">
+              <a:schemeClr val="accent1">
+                <a:lumMod val="45000"/>
+                <a:lumOff val="55000"/>
+              </a:schemeClr>
+            </a:gs>
+            <a:gs pos="100000">
+              <a:schemeClr val="accent1">
+                <a:lumMod val="30000"/>
+                <a:lumOff val="70000"/>
+              </a:schemeClr>
+            </a:gs>
+          </a:gsLst>
+          <a:lin ang="5400000" scaled="1"/>
+        </a:gradFill>
+        <a:effectLst/>
+      </p:bgPr>
+    </p:bg>
+    <p:spTree>
+      <p:nvGrpSpPr>
+        <p:cNvPr id="1" name=""/>
+        <p:cNvGrpSpPr/>
+        <p:nvPr/>
+      </p:nvGrpSpPr>
+      <p:grpSpPr>
+        <a:xfrm>
+          <a:off x="0" y="0"/>
+          <a:ext cx="0" cy="0"/>
+          <a:chOff x="0" y="0"/>
+          <a:chExt cx="0" cy="0"/>
+        </a:xfrm>
+      </p:grpSpPr>
+      <p:sp>
+        <p:nvSpPr>
+          <p:cNvPr id="2" name="Title 1"/>
+          <p:cNvSpPr>
+            <a:spLocks noGrp="1"/>
+          </p:cNvSpPr>
+          <p:nvPr>
+            <p:ph type="title"/>
+          </p:nvPr>
+        </p:nvSpPr>
+        <p:spPr/>
+        <p:txBody>
+          <a:bodyPr/>
+          <a:lstStyle/>
+          <a:p>
+            <a:r>
               <a:rPr lang="en-US" dirty="0"/>
               <a:t>Summary of the current results</a:t>
             </a:r>
@@ -22753,10 +24319,183 @@
   <p:clrMapOvr>
     <a:masterClrMapping/>
   </p:clrMapOvr>
+  <p:timing>
+    <p:tnLst>
+      <p:par>
+        <p:cTn id="1" dur="indefinite" restart="never" nodeType="tmRoot"/>
+      </p:par>
+    </p:tnLst>
+  </p:timing>
 </p:sld>
 </file>
 
-<file path=ppt/slides/slide11.xml><?xml version="1.0" encoding="utf-8"?>
+<file path=ppt/slides/slide16.xml><?xml version="1.0" encoding="utf-8"?>
+<p:sld xmlns:a="http://schemas.openxmlformats.org/drawingml/2006/main" xmlns:r="http://schemas.openxmlformats.org/officeDocument/2006/relationships" xmlns:p="http://schemas.openxmlformats.org/presentationml/2006/main">
+  <p:cSld>
+    <p:bg>
+      <p:bgPr>
+        <a:gradFill>
+          <a:gsLst>
+            <a:gs pos="0">
+              <a:schemeClr val="accent1">
+                <a:lumMod val="5000"/>
+                <a:lumOff val="95000"/>
+              </a:schemeClr>
+            </a:gs>
+            <a:gs pos="74000">
+              <a:schemeClr val="accent1">
+                <a:lumMod val="45000"/>
+                <a:lumOff val="55000"/>
+              </a:schemeClr>
+            </a:gs>
+            <a:gs pos="83000">
+              <a:schemeClr val="accent1">
+                <a:lumMod val="45000"/>
+                <a:lumOff val="55000"/>
+              </a:schemeClr>
+            </a:gs>
+            <a:gs pos="100000">
+              <a:schemeClr val="accent1">
+                <a:lumMod val="30000"/>
+                <a:lumOff val="70000"/>
+              </a:schemeClr>
+            </a:gs>
+          </a:gsLst>
+          <a:lin ang="5400000" scaled="1"/>
+        </a:gradFill>
+        <a:effectLst/>
+      </p:bgPr>
+    </p:bg>
+    <p:spTree>
+      <p:nvGrpSpPr>
+        <p:cNvPr id="1" name=""/>
+        <p:cNvGrpSpPr/>
+        <p:nvPr/>
+      </p:nvGrpSpPr>
+      <p:grpSpPr>
+        <a:xfrm>
+          <a:off x="0" y="0"/>
+          <a:ext cx="0" cy="0"/>
+          <a:chOff x="0" y="0"/>
+          <a:chExt cx="0" cy="0"/>
+        </a:xfrm>
+      </p:grpSpPr>
+      <p:sp>
+        <p:nvSpPr>
+          <p:cNvPr id="2" name="Title 1"/>
+          <p:cNvSpPr>
+            <a:spLocks noGrp="1"/>
+          </p:cNvSpPr>
+          <p:nvPr>
+            <p:ph type="title"/>
+          </p:nvPr>
+        </p:nvSpPr>
+        <p:spPr/>
+        <p:txBody>
+          <a:bodyPr/>
+          <a:lstStyle/>
+          <a:p>
+            <a:r>
+              <a:rPr lang="en-GB" dirty="0" smtClean="0"/>
+              <a:t>Loss vs accuracy</a:t>
+            </a:r>
+            <a:endParaRPr lang="es-ES" dirty="0"/>
+          </a:p>
+        </p:txBody>
+      </p:sp>
+      <p:sp>
+        <p:nvSpPr>
+          <p:cNvPr id="3" name="Text Placeholder 2"/>
+          <p:cNvSpPr>
+            <a:spLocks noGrp="1"/>
+          </p:cNvSpPr>
+          <p:nvPr>
+            <p:ph type="body" idx="1"/>
+          </p:nvPr>
+        </p:nvSpPr>
+        <p:spPr/>
+        <p:txBody>
+          <a:bodyPr/>
+          <a:lstStyle/>
+          <a:p>
+            <a:endParaRPr lang="es-ES" dirty="0"/>
+          </a:p>
+        </p:txBody>
+      </p:sp>
+      <p:sp>
+        <p:nvSpPr>
+          <p:cNvPr id="5" name="TextBox 4"/>
+          <p:cNvSpPr txBox="1"/>
+          <p:nvPr/>
+        </p:nvSpPr>
+        <p:spPr>
+          <a:xfrm>
+            <a:off x="242543" y="4802521"/>
+            <a:ext cx="7257073" cy="369332"/>
+          </a:xfrm>
+          <a:prstGeom prst="rect">
+            <a:avLst/>
+          </a:prstGeom>
+          <a:noFill/>
+        </p:spPr>
+        <p:txBody>
+          <a:bodyPr wrap="square" rtlCol="0">
+            <a:spAutoFit/>
+          </a:bodyPr>
+          <a:lstStyle/>
+          <a:p>
+            <a:r>
+              <a:rPr lang="en-GB" dirty="0" smtClean="0"/>
+              <a:t>Source </a:t>
+            </a:r>
+            <a:r>
+              <a:rPr lang="es-ES" dirty="0">
+                <a:hlinkClick r:id="rId2"/>
+              </a:rPr>
+              <a:t>https://kharshit.github.io/blog/2018/12/07/loss-vs-accuracy</a:t>
+            </a:r>
+            <a:endParaRPr lang="es-ES" dirty="0"/>
+          </a:p>
+        </p:txBody>
+      </p:sp>
+      <p:pic>
+        <p:nvPicPr>
+          <p:cNvPr id="7" name="Picture 6"/>
+          <p:cNvPicPr>
+            <a:picLocks noChangeAspect="1"/>
+          </p:cNvPicPr>
+          <p:nvPr/>
+        </p:nvPicPr>
+        <p:blipFill>
+          <a:blip r:embed="rId3"/>
+          <a:stretch>
+            <a:fillRect/>
+          </a:stretch>
+        </p:blipFill>
+        <p:spPr>
+          <a:xfrm>
+            <a:off x="311699" y="1251370"/>
+            <a:ext cx="8404339" cy="3213053"/>
+          </a:xfrm>
+          <a:prstGeom prst="rect">
+            <a:avLst/>
+          </a:prstGeom>
+        </p:spPr>
+      </p:pic>
+    </p:spTree>
+    <p:extLst>
+      <p:ext uri="{BB962C8B-B14F-4D97-AF65-F5344CB8AC3E}">
+        <p14:creationId xmlns:p14="http://schemas.microsoft.com/office/powerpoint/2010/main" val="1464240839"/>
+      </p:ext>
+    </p:extLst>
+  </p:cSld>
+  <p:clrMapOvr>
+    <a:masterClrMapping/>
+  </p:clrMapOvr>
+</p:sld>
+</file>
+
+<file path=ppt/slides/slide17.xml><?xml version="1.0" encoding="utf-8"?>
 <p:sld xmlns:a="http://schemas.openxmlformats.org/drawingml/2006/main" xmlns:r="http://schemas.openxmlformats.org/officeDocument/2006/relationships" xmlns:p="http://schemas.openxmlformats.org/presentationml/2006/main">
   <p:cSld>
     <p:bg>
@@ -22877,10 +24616,17 @@
   <p:clrMapOvr>
     <a:masterClrMapping/>
   </p:clrMapOvr>
+  <p:timing>
+    <p:tnLst>
+      <p:par>
+        <p:cTn id="1" dur="indefinite" restart="never" nodeType="tmRoot"/>
+      </p:par>
+    </p:tnLst>
+  </p:timing>
 </p:sld>
 </file>
 
-<file path=ppt/slides/slide12.xml><?xml version="1.0" encoding="utf-8"?>
+<file path=ppt/slides/slide18.xml><?xml version="1.0" encoding="utf-8"?>
 <p:sld xmlns:a="http://schemas.openxmlformats.org/drawingml/2006/main" xmlns:r="http://schemas.openxmlformats.org/officeDocument/2006/relationships" xmlns:p="http://schemas.openxmlformats.org/presentationml/2006/main">
   <p:cSld>
     <p:bg>
@@ -22973,6 +24719,10 @@
           <a:bodyPr/>
           <a:lstStyle/>
           <a:p>
+            <a:r>
+              <a:rPr lang="en-GB" dirty="0" smtClean="0"/>
+              <a:t>n</a:t>
+            </a:r>
             <a:endParaRPr lang="es-ES" dirty="0"/>
           </a:p>
         </p:txBody>
@@ -23021,6 +24771,36 @@
           </a:prstGeom>
         </p:spPr>
       </p:pic>
+      <p:sp>
+        <p:nvSpPr>
+          <p:cNvPr id="6" name="TextBox 5"/>
+          <p:cNvSpPr txBox="1"/>
+          <p:nvPr/>
+        </p:nvSpPr>
+        <p:spPr>
+          <a:xfrm>
+            <a:off x="376028" y="4625788"/>
+            <a:ext cx="8852496" cy="369332"/>
+          </a:xfrm>
+          <a:prstGeom prst="rect">
+            <a:avLst/>
+          </a:prstGeom>
+          <a:noFill/>
+        </p:spPr>
+        <p:txBody>
+          <a:bodyPr wrap="square" rtlCol="0">
+            <a:spAutoFit/>
+          </a:bodyPr>
+          <a:lstStyle/>
+          <a:p>
+            <a:r>
+              <a:rPr lang="en-GB" dirty="0" smtClean="0"/>
+              <a:t>Check the validity of number of Neutral-Buy case in the test dataset or reshuffle it </a:t>
+            </a:r>
+            <a:endParaRPr lang="es-ES" dirty="0"/>
+          </a:p>
+        </p:txBody>
+      </p:sp>
     </p:spTree>
     <p:extLst>
       <p:ext uri="{BB962C8B-B14F-4D97-AF65-F5344CB8AC3E}">
@@ -23031,10 +24811,17 @@
   <p:clrMapOvr>
     <a:masterClrMapping/>
   </p:clrMapOvr>
+  <p:timing>
+    <p:tnLst>
+      <p:par>
+        <p:cTn id="1" dur="indefinite" restart="never" nodeType="tmRoot"/>
+      </p:par>
+    </p:tnLst>
+  </p:timing>
 </p:sld>
 </file>
 
-<file path=ppt/slides/slide13.xml><?xml version="1.0" encoding="utf-8"?>
+<file path=ppt/slides/slide19.xml><?xml version="1.0" encoding="utf-8"?>
 <p:sld xmlns:a="http://schemas.openxmlformats.org/drawingml/2006/main" xmlns:r="http://schemas.openxmlformats.org/officeDocument/2006/relationships" xmlns:p="http://schemas.openxmlformats.org/presentationml/2006/main">
   <p:cSld>
     <p:bg>
@@ -23177,205 +24964,13 @@
   <p:clrMapOvr>
     <a:masterClrMapping/>
   </p:clrMapOvr>
-</p:sld>
-</file>
-
-<file path=ppt/slides/slide14.xml><?xml version="1.0" encoding="utf-8"?>
-<p:sld xmlns:a="http://schemas.openxmlformats.org/drawingml/2006/main" xmlns:r="http://schemas.openxmlformats.org/officeDocument/2006/relationships" xmlns:p="http://schemas.openxmlformats.org/presentationml/2006/main">
-  <p:cSld>
-    <p:bg>
-      <p:bgPr>
-        <a:gradFill>
-          <a:gsLst>
-            <a:gs pos="0">
-              <a:schemeClr val="accent1">
-                <a:lumMod val="5000"/>
-                <a:lumOff val="95000"/>
-              </a:schemeClr>
-            </a:gs>
-            <a:gs pos="74000">
-              <a:schemeClr val="accent1">
-                <a:lumMod val="45000"/>
-                <a:lumOff val="55000"/>
-              </a:schemeClr>
-            </a:gs>
-            <a:gs pos="83000">
-              <a:schemeClr val="accent1">
-                <a:lumMod val="45000"/>
-                <a:lumOff val="55000"/>
-              </a:schemeClr>
-            </a:gs>
-            <a:gs pos="100000">
-              <a:schemeClr val="accent1">
-                <a:lumMod val="30000"/>
-                <a:lumOff val="70000"/>
-              </a:schemeClr>
-            </a:gs>
-          </a:gsLst>
-          <a:lin ang="5400000" scaled="1"/>
-        </a:gradFill>
-        <a:effectLst/>
-      </p:bgPr>
-    </p:bg>
-    <p:spTree>
-      <p:nvGrpSpPr>
-        <p:cNvPr id="1" name=""/>
-        <p:cNvGrpSpPr/>
-        <p:nvPr/>
-      </p:nvGrpSpPr>
-      <p:grpSpPr>
-        <a:xfrm>
-          <a:off x="0" y="0"/>
-          <a:ext cx="0" cy="0"/>
-          <a:chOff x="0" y="0"/>
-          <a:chExt cx="0" cy="0"/>
-        </a:xfrm>
-      </p:grpSpPr>
-      <p:sp>
-        <p:nvSpPr>
-          <p:cNvPr id="2" name="Title 1"/>
-          <p:cNvSpPr>
-            <a:spLocks noGrp="1"/>
-          </p:cNvSpPr>
-          <p:nvPr>
-            <p:ph type="title"/>
-          </p:nvPr>
-        </p:nvSpPr>
-        <p:spPr/>
-        <p:txBody>
-          <a:bodyPr/>
-          <a:lstStyle/>
-          <a:p>
-            <a:r>
-              <a:rPr lang="es-ES" dirty="0" err="1" smtClean="0"/>
-              <a:t>Conclusion</a:t>
-            </a:r>
-            <a:endParaRPr lang="es-ES" dirty="0"/>
-          </a:p>
-        </p:txBody>
-      </p:sp>
-      <p:sp>
-        <p:nvSpPr>
-          <p:cNvPr id="3" name="Text Placeholder 2"/>
-          <p:cNvSpPr>
-            <a:spLocks noGrp="1"/>
-          </p:cNvSpPr>
-          <p:nvPr>
-            <p:ph type="body" idx="1"/>
-          </p:nvPr>
-        </p:nvSpPr>
-        <p:spPr/>
-        <p:txBody>
-          <a:bodyPr/>
-          <a:lstStyle/>
-          <a:p>
-            <a:pPr marL="114300" indent="0">
-              <a:buNone/>
-            </a:pPr>
-            <a:r>
-              <a:rPr lang="en-US" dirty="0"/>
-              <a:t>The results of this study are a bit disappointing in terms of accuracy and </a:t>
-            </a:r>
-            <a:r>
-              <a:rPr lang="en-US" dirty="0" smtClean="0"/>
-              <a:t>confidence</a:t>
-            </a:r>
-          </a:p>
-          <a:p>
-            <a:pPr marL="114300" indent="0">
-              <a:buNone/>
-            </a:pPr>
-            <a:endParaRPr lang="es-ES" dirty="0"/>
-          </a:p>
-          <a:p>
-            <a:pPr marL="114300" indent="0">
-              <a:buNone/>
-            </a:pPr>
-            <a:r>
-              <a:rPr lang="en-US" dirty="0"/>
-              <a:t>For instance, to improve the model but after checking all the parameters I will be focusing on </a:t>
-            </a:r>
-            <a:endParaRPr lang="es-ES" dirty="0"/>
-          </a:p>
-          <a:p>
-            <a:pPr lvl="0"/>
-            <a:r>
-              <a:rPr lang="en-US" dirty="0"/>
-              <a:t>get more dataset on stock (AAPL, MSFT) and indices (Nikkei, </a:t>
-            </a:r>
-            <a:r>
-              <a:rPr lang="en-US" dirty="0" err="1"/>
-              <a:t>Eurostoxx</a:t>
-            </a:r>
-            <a:r>
-              <a:rPr lang="en-US" dirty="0"/>
-              <a:t>, MSCI WORLD)</a:t>
-            </a:r>
-            <a:endParaRPr lang="es-ES" dirty="0"/>
-          </a:p>
-          <a:p>
-            <a:pPr lvl="0"/>
-            <a:r>
-              <a:rPr lang="en-US" dirty="0"/>
-              <a:t>train  the whole vgg16 this time untrained </a:t>
-            </a:r>
-            <a:endParaRPr lang="es-ES" dirty="0"/>
-          </a:p>
-          <a:p>
-            <a:pPr lvl="0"/>
-            <a:r>
-              <a:rPr lang="en-US" dirty="0"/>
-              <a:t>apply to other CNN trained like </a:t>
-            </a:r>
-            <a:r>
-              <a:rPr lang="en-US" dirty="0" err="1"/>
-              <a:t>AlexNet</a:t>
-            </a:r>
-            <a:r>
-              <a:rPr lang="en-US" dirty="0"/>
-              <a:t> or Mask R-CNN </a:t>
-            </a:r>
-            <a:endParaRPr lang="es-ES" dirty="0"/>
-          </a:p>
-          <a:p>
-            <a:pPr lvl="0"/>
-            <a:r>
-              <a:rPr lang="en-US" dirty="0"/>
-              <a:t>increase the size of input image from (32,32,32,3) to (256,256,256,3) </a:t>
-            </a:r>
-            <a:endParaRPr lang="es-ES" dirty="0"/>
-          </a:p>
-          <a:p>
-            <a:pPr lvl="0"/>
-            <a:r>
-              <a:rPr lang="en-US" dirty="0"/>
-              <a:t>calibrate a generative adversarial network to increase dataset and self-fulfilling conclusion</a:t>
-            </a:r>
-            <a:endParaRPr lang="es-ES" dirty="0"/>
-          </a:p>
-          <a:p>
-            <a:pPr lvl="0"/>
-            <a:r>
-              <a:rPr lang="en-US" dirty="0"/>
-              <a:t>Improving the dataset of the image to include the candlestick and volume for the series,</a:t>
-            </a:r>
-            <a:endParaRPr lang="es-ES" dirty="0"/>
-          </a:p>
-          <a:p>
-            <a:endParaRPr lang="es-ES" dirty="0"/>
-          </a:p>
-        </p:txBody>
-      </p:sp>
-    </p:spTree>
-    <p:extLst>
-      <p:ext uri="{BB962C8B-B14F-4D97-AF65-F5344CB8AC3E}">
-        <p14:creationId xmlns:p14="http://schemas.microsoft.com/office/powerpoint/2010/main" val="969697402"/>
-      </p:ext>
-    </p:extLst>
-  </p:cSld>
-  <p:clrMapOvr>
-    <a:masterClrMapping/>
-  </p:clrMapOvr>
+  <p:timing>
+    <p:tnLst>
+      <p:par>
+        <p:cTn id="1" dur="indefinite" restart="never" nodeType="tmRoot"/>
+      </p:par>
+    </p:tnLst>
+  </p:timing>
 </p:sld>
 </file>
 
@@ -23460,7 +25055,11 @@
               </a:spcAft>
               <a:buNone/>
             </a:pPr>
-            <a:endParaRPr/>
+            <a:r>
+              <a:rPr lang="es-ES" dirty="0" err="1" smtClean="0"/>
+              <a:t>Objective</a:t>
+            </a:r>
+            <a:endParaRPr dirty="0"/>
           </a:p>
         </p:txBody>
       </p:sp>
@@ -23495,14 +25094,14 @@
               <a:buNone/>
             </a:pPr>
             <a:r>
-              <a:rPr lang="en" sz="1100" dirty="0">
+              <a:rPr lang="en" sz="1600" dirty="0">
                 <a:solidFill>
                   <a:srgbClr val="000000"/>
                 </a:solidFill>
               </a:rPr>
               <a:t>The objective of the transposition of deep learning methodology to finance was to focus on:</a:t>
             </a:r>
-            <a:endParaRPr sz="1100" dirty="0">
+            <a:endParaRPr sz="1600" dirty="0">
               <a:solidFill>
                 <a:srgbClr val="000000"/>
               </a:solidFill>
@@ -23519,7 +25118,7 @@
               <a:buNone/>
             </a:pPr>
             <a:r>
-              <a:rPr lang="en" sz="1100" dirty="0">
+              <a:rPr lang="en" sz="1600" dirty="0">
                 <a:solidFill>
                   <a:srgbClr val="000000"/>
                 </a:solidFill>
@@ -23527,7 +25126,7 @@
               <a:t>1.</a:t>
             </a:r>
             <a:r>
-              <a:rPr lang="en" sz="700" dirty="0">
+              <a:rPr lang="en" sz="1000" dirty="0">
                 <a:solidFill>
                   <a:srgbClr val="000000"/>
                 </a:solidFill>
@@ -23535,14 +25134,14 @@
               <a:t>       </a:t>
             </a:r>
             <a:r>
-              <a:rPr lang="en" sz="1100" dirty="0">
+              <a:rPr lang="en" sz="1600" dirty="0">
                 <a:solidFill>
                   <a:srgbClr val="000000"/>
                 </a:solidFill>
               </a:rPr>
               <a:t>classification of current/future of market/economic state</a:t>
             </a:r>
-            <a:endParaRPr sz="1100" dirty="0">
+            <a:endParaRPr sz="1600" dirty="0">
               <a:solidFill>
                 <a:srgbClr val="000000"/>
               </a:solidFill>
@@ -23559,7 +25158,7 @@
               <a:buNone/>
             </a:pPr>
             <a:r>
-              <a:rPr lang="en" sz="1100" dirty="0">
+              <a:rPr lang="en" sz="1600" dirty="0">
                 <a:solidFill>
                   <a:srgbClr val="000000"/>
                 </a:solidFill>
@@ -23567,7 +25166,7 @@
               <a:t>2.</a:t>
             </a:r>
             <a:r>
-              <a:rPr lang="en" sz="700" dirty="0">
+              <a:rPr lang="en" sz="1000" dirty="0">
                 <a:solidFill>
                   <a:srgbClr val="000000"/>
                 </a:solidFill>
@@ -23575,14 +25174,14 @@
               <a:t>      </a:t>
             </a:r>
             <a:r>
-              <a:rPr lang="en" sz="1100" dirty="0">
+              <a:rPr lang="en" sz="1600" dirty="0">
                 <a:solidFill>
                   <a:srgbClr val="000000"/>
                 </a:solidFill>
               </a:rPr>
               <a:t>prediction of future price</a:t>
             </a:r>
-            <a:endParaRPr sz="1100" dirty="0">
+            <a:endParaRPr sz="1600" dirty="0">
               <a:solidFill>
                 <a:srgbClr val="000000"/>
               </a:solidFill>
@@ -23599,7 +25198,7 @@
               <a:buNone/>
             </a:pPr>
             <a:r>
-              <a:rPr lang="en" sz="1100" dirty="0">
+              <a:rPr lang="en" sz="1600" dirty="0">
                 <a:solidFill>
                   <a:srgbClr val="000000"/>
                 </a:solidFill>
@@ -23607,7 +25206,7 @@
               <a:t>3.</a:t>
             </a:r>
             <a:r>
-              <a:rPr lang="en" sz="700" dirty="0">
+              <a:rPr lang="en" sz="1000" dirty="0">
                 <a:solidFill>
                   <a:srgbClr val="000000"/>
                 </a:solidFill>
@@ -23615,14 +25214,14 @@
               <a:t>      </a:t>
             </a:r>
             <a:r>
-              <a:rPr lang="en" sz="1100" dirty="0">
+              <a:rPr lang="en" sz="1600" dirty="0">
                 <a:solidFill>
                   <a:srgbClr val="000000"/>
                 </a:solidFill>
               </a:rPr>
               <a:t>construction of investment strategies</a:t>
             </a:r>
-            <a:endParaRPr sz="1100" dirty="0">
+            <a:endParaRPr sz="1600" dirty="0">
               <a:solidFill>
                 <a:srgbClr val="000000"/>
               </a:solidFill>
@@ -23639,7 +25238,7 @@
               <a:buNone/>
             </a:pPr>
             <a:r>
-              <a:rPr lang="en" sz="1100" dirty="0">
+              <a:rPr lang="en" sz="1600" dirty="0">
                 <a:solidFill>
                   <a:srgbClr val="000000"/>
                 </a:solidFill>
@@ -23647,7 +25246,7 @@
               <a:t>4.</a:t>
             </a:r>
             <a:r>
-              <a:rPr lang="en" sz="700" dirty="0">
+              <a:rPr lang="en" sz="1000" dirty="0">
                 <a:solidFill>
                   <a:srgbClr val="000000"/>
                 </a:solidFill>
@@ -23655,14 +25254,14 @@
               <a:t>     </a:t>
             </a:r>
             <a:r>
-              <a:rPr lang="en" sz="1100" dirty="0">
+              <a:rPr lang="en" sz="1600" dirty="0">
                 <a:solidFill>
                   <a:srgbClr val="000000"/>
                 </a:solidFill>
               </a:rPr>
               <a:t>risk estimation</a:t>
             </a:r>
-            <a:endParaRPr sz="1100" dirty="0">
+            <a:endParaRPr sz="1600" dirty="0">
               <a:solidFill>
                 <a:srgbClr val="000000"/>
               </a:solidFill>
@@ -23679,7 +25278,7 @@
               <a:buNone/>
             </a:pPr>
             <a:r>
-              <a:rPr lang="en" sz="1100" dirty="0">
+              <a:rPr lang="en" sz="1600" dirty="0">
                 <a:solidFill>
                   <a:srgbClr val="000000"/>
                 </a:solidFill>
@@ -23687,7 +25286,7 @@
               <a:t>5.</a:t>
             </a:r>
             <a:r>
-              <a:rPr lang="en" sz="700" dirty="0">
+              <a:rPr lang="en" sz="1000" dirty="0">
                 <a:solidFill>
                   <a:srgbClr val="000000"/>
                 </a:solidFill>
@@ -23695,14 +25294,14 @@
               <a:t>      </a:t>
             </a:r>
             <a:r>
-              <a:rPr lang="en" sz="1100" dirty="0">
+              <a:rPr lang="en" sz="1600" dirty="0">
                 <a:solidFill>
                   <a:srgbClr val="000000"/>
                 </a:solidFill>
               </a:rPr>
               <a:t>process news flow to assess market sentiment </a:t>
             </a:r>
-            <a:endParaRPr sz="1100" dirty="0">
+            <a:endParaRPr sz="1600" dirty="0">
               <a:solidFill>
                 <a:srgbClr val="000000"/>
               </a:solidFill>
@@ -23718,7 +25317,7 @@
               </a:spcAft>
               <a:buNone/>
             </a:pPr>
-            <a:endParaRPr dirty="0"/>
+            <a:endParaRPr sz="2400" dirty="0"/>
           </a:p>
         </p:txBody>
       </p:sp>
@@ -23727,6 +25326,226 @@
   <p:clrMapOvr>
     <a:masterClrMapping/>
   </p:clrMapOvr>
+  <p:timing>
+    <p:tnLst>
+      <p:par>
+        <p:cTn id="1" dur="indefinite" restart="never" nodeType="tmRoot"/>
+      </p:par>
+    </p:tnLst>
+  </p:timing>
+</p:sld>
+</file>
+
+<file path=ppt/slides/slide20.xml><?xml version="1.0" encoding="utf-8"?>
+<p:sld xmlns:a="http://schemas.openxmlformats.org/drawingml/2006/main" xmlns:r="http://schemas.openxmlformats.org/officeDocument/2006/relationships" xmlns:p="http://schemas.openxmlformats.org/presentationml/2006/main">
+  <p:cSld>
+    <p:bg>
+      <p:bgPr>
+        <a:gradFill>
+          <a:gsLst>
+            <a:gs pos="0">
+              <a:schemeClr val="accent1">
+                <a:lumMod val="5000"/>
+                <a:lumOff val="95000"/>
+              </a:schemeClr>
+            </a:gs>
+            <a:gs pos="74000">
+              <a:schemeClr val="accent1">
+                <a:lumMod val="45000"/>
+                <a:lumOff val="55000"/>
+              </a:schemeClr>
+            </a:gs>
+            <a:gs pos="83000">
+              <a:schemeClr val="accent1">
+                <a:lumMod val="45000"/>
+                <a:lumOff val="55000"/>
+              </a:schemeClr>
+            </a:gs>
+            <a:gs pos="100000">
+              <a:schemeClr val="accent1">
+                <a:lumMod val="30000"/>
+                <a:lumOff val="70000"/>
+              </a:schemeClr>
+            </a:gs>
+          </a:gsLst>
+          <a:lin ang="5400000" scaled="1"/>
+        </a:gradFill>
+        <a:effectLst/>
+      </p:bgPr>
+    </p:bg>
+    <p:spTree>
+      <p:nvGrpSpPr>
+        <p:cNvPr id="1" name=""/>
+        <p:cNvGrpSpPr/>
+        <p:nvPr/>
+      </p:nvGrpSpPr>
+      <p:grpSpPr>
+        <a:xfrm>
+          <a:off x="0" y="0"/>
+          <a:ext cx="0" cy="0"/>
+          <a:chOff x="0" y="0"/>
+          <a:chExt cx="0" cy="0"/>
+        </a:xfrm>
+      </p:grpSpPr>
+      <p:sp>
+        <p:nvSpPr>
+          <p:cNvPr id="2" name="Title 1"/>
+          <p:cNvSpPr>
+            <a:spLocks noGrp="1"/>
+          </p:cNvSpPr>
+          <p:nvPr>
+            <p:ph type="title"/>
+          </p:nvPr>
+        </p:nvSpPr>
+        <p:spPr/>
+        <p:txBody>
+          <a:bodyPr/>
+          <a:lstStyle/>
+          <a:p>
+            <a:r>
+              <a:rPr lang="es-ES" dirty="0" err="1" smtClean="0"/>
+              <a:t>Conclusion</a:t>
+            </a:r>
+            <a:endParaRPr lang="es-ES" dirty="0"/>
+          </a:p>
+        </p:txBody>
+      </p:sp>
+      <p:sp>
+        <p:nvSpPr>
+          <p:cNvPr id="3" name="Text Placeholder 2"/>
+          <p:cNvSpPr>
+            <a:spLocks noGrp="1"/>
+          </p:cNvSpPr>
+          <p:nvPr>
+            <p:ph type="body" idx="1"/>
+          </p:nvPr>
+        </p:nvSpPr>
+        <p:spPr/>
+        <p:txBody>
+          <a:bodyPr/>
+          <a:lstStyle/>
+          <a:p>
+            <a:pPr marL="114300" indent="0">
+              <a:buNone/>
+            </a:pPr>
+            <a:r>
+              <a:rPr lang="en-US" dirty="0"/>
+              <a:t>The results of this study are a bit disappointing in terms of accuracy and </a:t>
+            </a:r>
+            <a:r>
+              <a:rPr lang="en-US" dirty="0" smtClean="0"/>
+              <a:t>confidence</a:t>
+            </a:r>
+          </a:p>
+          <a:p>
+            <a:pPr marL="114300" indent="0">
+              <a:buNone/>
+            </a:pPr>
+            <a:endParaRPr lang="es-ES" dirty="0"/>
+          </a:p>
+          <a:p>
+            <a:pPr marL="114300" indent="0">
+              <a:buNone/>
+            </a:pPr>
+            <a:r>
+              <a:rPr lang="en-US" dirty="0"/>
+              <a:t>For instance, to improve the model but after checking all the parameters I will be focusing on </a:t>
+            </a:r>
+            <a:endParaRPr lang="es-ES" dirty="0"/>
+          </a:p>
+          <a:p>
+            <a:pPr lvl="0"/>
+            <a:r>
+              <a:rPr lang="en-US" dirty="0"/>
+              <a:t>get more dataset on stock (AAPL, MSFT) and indices (Nikkei, </a:t>
+            </a:r>
+            <a:r>
+              <a:rPr lang="en-US" dirty="0" err="1"/>
+              <a:t>Eurostoxx</a:t>
+            </a:r>
+            <a:r>
+              <a:rPr lang="en-US" dirty="0"/>
+              <a:t>, MSCI WORLD</a:t>
+            </a:r>
+            <a:r>
+              <a:rPr lang="en-US" dirty="0" smtClean="0"/>
+              <a:t>)</a:t>
+            </a:r>
+          </a:p>
+          <a:p>
+            <a:pPr lvl="0"/>
+            <a:r>
+              <a:rPr lang="en-US" dirty="0" smtClean="0"/>
+              <a:t>train  </a:t>
+            </a:r>
+            <a:r>
+              <a:rPr lang="en-US" dirty="0"/>
+              <a:t>the whole vgg16 this time untrained </a:t>
+            </a:r>
+            <a:endParaRPr lang="es-ES" dirty="0"/>
+          </a:p>
+          <a:p>
+            <a:pPr lvl="0"/>
+            <a:r>
+              <a:rPr lang="en-US" dirty="0"/>
+              <a:t>apply to other CNN trained like </a:t>
+            </a:r>
+            <a:r>
+              <a:rPr lang="en-US" dirty="0" err="1"/>
+              <a:t>AlexNet</a:t>
+            </a:r>
+            <a:r>
+              <a:rPr lang="en-US" dirty="0"/>
+              <a:t> or Mask R-CNN </a:t>
+            </a:r>
+            <a:endParaRPr lang="es-ES" dirty="0"/>
+          </a:p>
+          <a:p>
+            <a:pPr lvl="0"/>
+            <a:r>
+              <a:rPr lang="en-US" dirty="0"/>
+              <a:t>increase the size of input image from (32,32,32,3) to (256,256,256,3) </a:t>
+            </a:r>
+            <a:endParaRPr lang="es-ES" dirty="0"/>
+          </a:p>
+          <a:p>
+            <a:pPr lvl="0"/>
+            <a:r>
+              <a:rPr lang="en-US" dirty="0"/>
+              <a:t>calibrate a generative adversarial network to increase dataset and self-fulfilling conclusion</a:t>
+            </a:r>
+            <a:endParaRPr lang="es-ES" dirty="0"/>
+          </a:p>
+          <a:p>
+            <a:pPr lvl="0"/>
+            <a:r>
+              <a:rPr lang="en-US" dirty="0"/>
+              <a:t>Improving the dataset of the image to include the candlestick and volume for the series,</a:t>
+            </a:r>
+            <a:endParaRPr lang="es-ES" dirty="0"/>
+          </a:p>
+          <a:p>
+            <a:endParaRPr lang="es-ES" dirty="0"/>
+          </a:p>
+        </p:txBody>
+      </p:sp>
+    </p:spTree>
+    <p:extLst>
+      <p:ext uri="{BB962C8B-B14F-4D97-AF65-F5344CB8AC3E}">
+        <p14:creationId xmlns:p14="http://schemas.microsoft.com/office/powerpoint/2010/main" val="969697402"/>
+      </p:ext>
+    </p:extLst>
+  </p:cSld>
+  <p:clrMapOvr>
+    <a:masterClrMapping/>
+  </p:clrMapOvr>
+  <p:timing>
+    <p:tnLst>
+      <p:par>
+        <p:cTn id="1" dur="indefinite" restart="never" nodeType="tmRoot"/>
+      </p:par>
+    </p:tnLst>
+  </p:timing>
 </p:sld>
 </file>
 
@@ -23855,10 +25674,60 @@
               <a:buNone/>
             </a:pPr>
             <a:r>
-              <a:rPr lang="en"/>
-              <a:t>In any case, for this TFM I will focus deeper only on one specific problem where we will try to answer the question of the real validity of Technical Analysis which a methodology for forecasting the direction of prices through the study of past market data, primarily price and volume. The ground of this theory comes from behavioral economics and quantitative analysis, which stands in contradiction of much of modern portfolio theory and market valuation. </a:t>
-            </a:r>
-            <a:endParaRPr/>
+              <a:rPr lang="en" dirty="0"/>
+              <a:t>In any case, for this TFM I will focus deeper only on one specific problem </a:t>
+            </a:r>
+            <a:endParaRPr lang="en" dirty="0" smtClean="0"/>
+          </a:p>
+          <a:p>
+            <a:pPr marL="0" lvl="0" indent="0" algn="just" rtl="0">
+              <a:spcBef>
+                <a:spcPts val="1200"/>
+              </a:spcBef>
+              <a:spcAft>
+                <a:spcPts val="0"/>
+              </a:spcAft>
+              <a:buClr>
+                <a:schemeClr val="dk1"/>
+              </a:buClr>
+              <a:buSzPts val="1100"/>
+              <a:buFont typeface="Arial"/>
+              <a:buNone/>
+            </a:pPr>
+            <a:r>
+              <a:rPr lang="en" dirty="0" smtClean="0"/>
+              <a:t>Technical </a:t>
+            </a:r>
+            <a:r>
+              <a:rPr lang="en" dirty="0"/>
+              <a:t>Analysis which a methodology for forecasting the direction of prices through the study of past market data, primarily price and volume. </a:t>
+            </a:r>
+            <a:endParaRPr lang="en" dirty="0" smtClean="0"/>
+          </a:p>
+          <a:p>
+            <a:pPr marL="0" lvl="0" indent="0" algn="just" rtl="0">
+              <a:spcBef>
+                <a:spcPts val="1200"/>
+              </a:spcBef>
+              <a:spcAft>
+                <a:spcPts val="0"/>
+              </a:spcAft>
+              <a:buClr>
+                <a:schemeClr val="dk1"/>
+              </a:buClr>
+              <a:buSzPts val="1100"/>
+              <a:buFont typeface="Arial"/>
+              <a:buNone/>
+            </a:pPr>
+            <a:r>
+              <a:rPr lang="en" dirty="0" smtClean="0"/>
+              <a:t>The </a:t>
+            </a:r>
+            <a:r>
+              <a:rPr lang="en" dirty="0"/>
+              <a:t>ground of this theory comes from behavioral economics and quantitative analysis, which stands in contradiction of much of modern portfolio theory and market valuation. </a:t>
+            </a:r>
+            <a:endParaRPr dirty="0"/>
           </a:p>
           <a:p>
             <a:pPr marL="0" lvl="0" indent="0" algn="l" rtl="0">
@@ -23870,7 +25739,7 @@
               </a:spcAft>
               <a:buNone/>
             </a:pPr>
-            <a:endParaRPr/>
+            <a:endParaRPr dirty="0"/>
           </a:p>
         </p:txBody>
       </p:sp>
@@ -23879,6 +25748,13 @@
   <p:clrMapOvr>
     <a:masterClrMapping/>
   </p:clrMapOvr>
+  <p:timing>
+    <p:tnLst>
+      <p:par>
+        <p:cTn id="1" dur="indefinite" restart="never" nodeType="tmRoot"/>
+      </p:par>
+    </p:tnLst>
+  </p:timing>
 </p:sld>
 </file>
 
@@ -24017,7 +25893,7 @@
         </p:blipFill>
         <p:spPr>
           <a:xfrm>
-            <a:off x="311700" y="952819"/>
+            <a:off x="252227" y="291180"/>
             <a:ext cx="8352545" cy="4359729"/>
           </a:xfrm>
           <a:prstGeom prst="rect">
@@ -24034,6 +25910,13 @@
   <p:clrMapOvr>
     <a:masterClrMapping/>
   </p:clrMapOvr>
+  <p:timing>
+    <p:tnLst>
+      <p:par>
+        <p:cTn id="1" dur="indefinite" restart="never" nodeType="tmRoot"/>
+      </p:par>
+    </p:tnLst>
+  </p:timing>
 </p:sld>
 </file>
 
@@ -24156,47 +26039,305 @@
               </a:spcAft>
               <a:buNone/>
             </a:pPr>
-            <a:endParaRPr/>
+            <a:r>
+              <a:rPr lang="es-ES" dirty="0" smtClean="0"/>
+              <a:t>su</a:t>
+            </a:r>
+            <a:endParaRPr dirty="0"/>
           </a:p>
         </p:txBody>
       </p:sp>
       <p:pic>
         <p:nvPicPr>
-          <p:cNvPr id="81" name="Google Shape;81;p17"/>
-          <p:cNvPicPr preferRelativeResize="0"/>
+          <p:cNvPr id="2" name="Picture 1"/>
+          <p:cNvPicPr>
+            <a:picLocks noChangeAspect="1"/>
+          </p:cNvPicPr>
           <p:nvPr/>
         </p:nvPicPr>
         <p:blipFill>
-          <a:blip r:embed="rId3">
-            <a:alphaModFix/>
-          </a:blip>
+          <a:blip r:embed="rId3"/>
           <a:stretch>
             <a:fillRect/>
           </a:stretch>
         </p:blipFill>
         <p:spPr>
           <a:xfrm>
-            <a:off x="383375" y="1152475"/>
-            <a:ext cx="5984775" cy="3504900"/>
+            <a:off x="402713" y="1230501"/>
+            <a:ext cx="8528163" cy="2288786"/>
+          </a:xfrm>
+          <a:prstGeom prst="rect">
+            <a:avLst/>
+          </a:prstGeom>
+        </p:spPr>
+      </p:pic>
+      <p:sp>
+        <p:nvSpPr>
+          <p:cNvPr id="3" name="TextBox 2"/>
+          <p:cNvSpPr txBox="1"/>
+          <p:nvPr/>
+        </p:nvSpPr>
+        <p:spPr>
+          <a:xfrm>
+            <a:off x="402713" y="4794837"/>
+            <a:ext cx="4924681" cy="369332"/>
           </a:xfrm>
           <a:prstGeom prst="rect">
             <a:avLst/>
           </a:prstGeom>
           <a:noFill/>
-          <a:ln>
-            <a:noFill/>
-          </a:ln>
         </p:spPr>
-      </p:pic>
+        <p:txBody>
+          <a:bodyPr wrap="none" rtlCol="0">
+            <a:spAutoFit/>
+          </a:bodyPr>
+          <a:lstStyle/>
+          <a:p>
+            <a:r>
+              <a:rPr lang="es-ES" dirty="0" err="1" smtClean="0"/>
+              <a:t>Source</a:t>
+            </a:r>
+            <a:r>
+              <a:rPr lang="es-ES" dirty="0" smtClean="0"/>
+              <a:t> </a:t>
+            </a:r>
+            <a:r>
+              <a:rPr lang="es-ES" dirty="0">
+                <a:hlinkClick r:id="rId4"/>
+              </a:rPr>
+              <a:t>https://www.instaforex.com/sp/techanalysis</a:t>
+            </a:r>
+            <a:endParaRPr lang="es-ES" dirty="0"/>
+          </a:p>
+        </p:txBody>
+      </p:sp>
     </p:spTree>
   </p:cSld>
   <p:clrMapOvr>
     <a:masterClrMapping/>
   </p:clrMapOvr>
+  <p:timing>
+    <p:tnLst>
+      <p:par>
+        <p:cTn id="1" dur="indefinite" restart="never" nodeType="tmRoot"/>
+      </p:par>
+    </p:tnLst>
+  </p:timing>
 </p:sld>
 </file>
 
 <file path=ppt/slides/slide6.xml><?xml version="1.0" encoding="utf-8"?>
+<p:sld xmlns:a="http://schemas.openxmlformats.org/drawingml/2006/main" xmlns:r="http://schemas.openxmlformats.org/officeDocument/2006/relationships" xmlns:p="http://schemas.openxmlformats.org/presentationml/2006/main">
+  <p:cSld>
+    <p:bg>
+      <p:bgPr>
+        <a:gradFill>
+          <a:gsLst>
+            <a:gs pos="0">
+              <a:schemeClr val="accent1">
+                <a:lumMod val="5000"/>
+                <a:lumOff val="95000"/>
+              </a:schemeClr>
+            </a:gs>
+            <a:gs pos="74000">
+              <a:schemeClr val="accent1">
+                <a:lumMod val="45000"/>
+                <a:lumOff val="55000"/>
+              </a:schemeClr>
+            </a:gs>
+            <a:gs pos="83000">
+              <a:schemeClr val="accent1">
+                <a:lumMod val="45000"/>
+                <a:lumOff val="55000"/>
+              </a:schemeClr>
+            </a:gs>
+            <a:gs pos="100000">
+              <a:schemeClr val="accent1">
+                <a:lumMod val="30000"/>
+                <a:lumOff val="70000"/>
+              </a:schemeClr>
+            </a:gs>
+          </a:gsLst>
+          <a:lin ang="5400000" scaled="1"/>
+        </a:gradFill>
+        <a:effectLst/>
+      </p:bgPr>
+    </p:bg>
+    <p:spTree>
+      <p:nvGrpSpPr>
+        <p:cNvPr id="1" name="Shape 78"/>
+        <p:cNvGrpSpPr/>
+        <p:nvPr/>
+      </p:nvGrpSpPr>
+      <p:grpSpPr>
+        <a:xfrm>
+          <a:off x="0" y="0"/>
+          <a:ext cx="0" cy="0"/>
+          <a:chOff x="0" y="0"/>
+          <a:chExt cx="0" cy="0"/>
+        </a:xfrm>
+      </p:grpSpPr>
+      <p:sp>
+        <p:nvSpPr>
+          <p:cNvPr id="79" name="Google Shape;79;p17"/>
+          <p:cNvSpPr txBox="1">
+            <a:spLocks noGrp="1"/>
+          </p:cNvSpPr>
+          <p:nvPr>
+            <p:ph type="title"/>
+          </p:nvPr>
+        </p:nvSpPr>
+        <p:spPr>
+          <a:prstGeom prst="rect">
+            <a:avLst/>
+          </a:prstGeom>
+        </p:spPr>
+        <p:txBody>
+          <a:bodyPr spcFirstLastPara="1" wrap="square" lIns="91425" tIns="91425" rIns="91425" bIns="91425" anchor="t" anchorCtr="0">
+            <a:noAutofit/>
+          </a:bodyPr>
+          <a:lstStyle/>
+          <a:p>
+            <a:pPr marL="0" lvl="0" indent="0" algn="l" rtl="0">
+              <a:spcBef>
+                <a:spcPts val="0"/>
+              </a:spcBef>
+              <a:spcAft>
+                <a:spcPts val="0"/>
+              </a:spcAft>
+              <a:buNone/>
+            </a:pPr>
+            <a:r>
+              <a:rPr lang="en"/>
+              <a:t>Example of standard figures</a:t>
+            </a:r>
+            <a:endParaRPr/>
+          </a:p>
+        </p:txBody>
+      </p:sp>
+      <p:sp>
+        <p:nvSpPr>
+          <p:cNvPr id="80" name="Google Shape;80;p17"/>
+          <p:cNvSpPr txBox="1">
+            <a:spLocks noGrp="1"/>
+          </p:cNvSpPr>
+          <p:nvPr>
+            <p:ph type="body" idx="1"/>
+          </p:nvPr>
+        </p:nvSpPr>
+        <p:spPr>
+          <a:prstGeom prst="rect">
+            <a:avLst/>
+          </a:prstGeom>
+        </p:spPr>
+        <p:txBody>
+          <a:bodyPr spcFirstLastPara="1" wrap="square" lIns="91425" tIns="91425" rIns="91425" bIns="91425" anchor="t" anchorCtr="0">
+            <a:noAutofit/>
+          </a:bodyPr>
+          <a:lstStyle/>
+          <a:p>
+            <a:pPr marL="0" lvl="0" indent="0" algn="l" rtl="0">
+              <a:spcBef>
+                <a:spcPts val="0"/>
+              </a:spcBef>
+              <a:spcAft>
+                <a:spcPts val="1600"/>
+              </a:spcAft>
+              <a:buNone/>
+            </a:pPr>
+            <a:r>
+              <a:rPr lang="es-ES" dirty="0" smtClean="0"/>
+              <a:t>su</a:t>
+            </a:r>
+            <a:endParaRPr dirty="0"/>
+          </a:p>
+        </p:txBody>
+      </p:sp>
+      <p:sp>
+        <p:nvSpPr>
+          <p:cNvPr id="3" name="TextBox 2"/>
+          <p:cNvSpPr txBox="1"/>
+          <p:nvPr/>
+        </p:nvSpPr>
+        <p:spPr>
+          <a:xfrm>
+            <a:off x="402713" y="4794837"/>
+            <a:ext cx="4924681" cy="369332"/>
+          </a:xfrm>
+          <a:prstGeom prst="rect">
+            <a:avLst/>
+          </a:prstGeom>
+          <a:noFill/>
+        </p:spPr>
+        <p:txBody>
+          <a:bodyPr wrap="none" rtlCol="0">
+            <a:spAutoFit/>
+          </a:bodyPr>
+          <a:lstStyle/>
+          <a:p>
+            <a:r>
+              <a:rPr lang="es-ES" dirty="0" err="1" smtClean="0"/>
+              <a:t>Source</a:t>
+            </a:r>
+            <a:r>
+              <a:rPr lang="es-ES" dirty="0" smtClean="0"/>
+              <a:t> </a:t>
+            </a:r>
+            <a:r>
+              <a:rPr lang="es-ES" dirty="0">
+                <a:hlinkClick r:id="rId3"/>
+              </a:rPr>
+              <a:t>https://www.instaforex.com/sp/techanalysis</a:t>
+            </a:r>
+            <a:endParaRPr lang="es-ES" dirty="0"/>
+          </a:p>
+        </p:txBody>
+      </p:sp>
+      <p:pic>
+        <p:nvPicPr>
+          <p:cNvPr id="4" name="Picture 3"/>
+          <p:cNvPicPr>
+            <a:picLocks noChangeAspect="1"/>
+          </p:cNvPicPr>
+          <p:nvPr/>
+        </p:nvPicPr>
+        <p:blipFill>
+          <a:blip r:embed="rId4"/>
+          <a:stretch>
+            <a:fillRect/>
+          </a:stretch>
+        </p:blipFill>
+        <p:spPr>
+          <a:xfrm>
+            <a:off x="311700" y="1152475"/>
+            <a:ext cx="8704898" cy="2464118"/>
+          </a:xfrm>
+          <a:prstGeom prst="rect">
+            <a:avLst/>
+          </a:prstGeom>
+        </p:spPr>
+      </p:pic>
+    </p:spTree>
+    <p:extLst>
+      <p:ext uri="{BB962C8B-B14F-4D97-AF65-F5344CB8AC3E}">
+        <p14:creationId xmlns:p14="http://schemas.microsoft.com/office/powerpoint/2010/main" val="297018779"/>
+      </p:ext>
+    </p:extLst>
+  </p:cSld>
+  <p:clrMapOvr>
+    <a:masterClrMapping/>
+  </p:clrMapOvr>
+  <p:timing>
+    <p:tnLst>
+      <p:par>
+        <p:cTn id="1" dur="indefinite" restart="never" nodeType="tmRoot"/>
+      </p:par>
+    </p:tnLst>
+  </p:timing>
+</p:sld>
+</file>
+
+<file path=ppt/slides/slide7.xml><?xml version="1.0" encoding="utf-8"?>
 <p:sld xmlns:a="http://schemas.openxmlformats.org/drawingml/2006/main" xmlns:r="http://schemas.openxmlformats.org/officeDocument/2006/relationships" xmlns:p="http://schemas.openxmlformats.org/presentationml/2006/main">
   <p:cSld>
     <p:bg>
@@ -24352,10 +26493,256 @@
   <p:clrMapOvr>
     <a:masterClrMapping/>
   </p:clrMapOvr>
+  <p:timing>
+    <p:tnLst>
+      <p:par>
+        <p:cTn id="1" dur="indefinite" restart="never" nodeType="tmRoot"/>
+      </p:par>
+    </p:tnLst>
+  </p:timing>
 </p:sld>
 </file>
 
-<file path=ppt/slides/slide7.xml><?xml version="1.0" encoding="utf-8"?>
+<file path=ppt/slides/slide8.xml><?xml version="1.0" encoding="utf-8"?>
+<p:sld xmlns:a="http://schemas.openxmlformats.org/drawingml/2006/main" xmlns:r="http://schemas.openxmlformats.org/officeDocument/2006/relationships" xmlns:p="http://schemas.openxmlformats.org/presentationml/2006/main">
+  <p:cSld>
+    <p:bg>
+      <p:bgPr>
+        <a:gradFill>
+          <a:gsLst>
+            <a:gs pos="0">
+              <a:schemeClr val="accent1">
+                <a:lumMod val="5000"/>
+                <a:lumOff val="95000"/>
+              </a:schemeClr>
+            </a:gs>
+            <a:gs pos="74000">
+              <a:schemeClr val="accent1">
+                <a:lumMod val="45000"/>
+                <a:lumOff val="55000"/>
+              </a:schemeClr>
+            </a:gs>
+            <a:gs pos="83000">
+              <a:schemeClr val="accent1">
+                <a:lumMod val="45000"/>
+                <a:lumOff val="55000"/>
+              </a:schemeClr>
+            </a:gs>
+            <a:gs pos="100000">
+              <a:schemeClr val="accent1">
+                <a:lumMod val="30000"/>
+                <a:lumOff val="70000"/>
+              </a:schemeClr>
+            </a:gs>
+          </a:gsLst>
+          <a:lin ang="5400000" scaled="1"/>
+        </a:gradFill>
+        <a:effectLst/>
+      </p:bgPr>
+    </p:bg>
+    <p:spTree>
+      <p:nvGrpSpPr>
+        <p:cNvPr id="1" name="Shape 92"/>
+        <p:cNvGrpSpPr/>
+        <p:nvPr/>
+      </p:nvGrpSpPr>
+      <p:grpSpPr>
+        <a:xfrm>
+          <a:off x="0" y="0"/>
+          <a:ext cx="0" cy="0"/>
+          <a:chOff x="0" y="0"/>
+          <a:chExt cx="0" cy="0"/>
+        </a:xfrm>
+      </p:grpSpPr>
+      <p:sp>
+        <p:nvSpPr>
+          <p:cNvPr id="93" name="Google Shape;93;p19"/>
+          <p:cNvSpPr txBox="1">
+            <a:spLocks noGrp="1"/>
+          </p:cNvSpPr>
+          <p:nvPr>
+            <p:ph type="title"/>
+          </p:nvPr>
+        </p:nvSpPr>
+        <p:spPr>
+          <a:prstGeom prst="rect">
+            <a:avLst/>
+          </a:prstGeom>
+        </p:spPr>
+        <p:txBody>
+          <a:bodyPr spcFirstLastPara="1" wrap="square" lIns="91425" tIns="91425" rIns="91425" bIns="91425" anchor="t" anchorCtr="0">
+            <a:noAutofit/>
+          </a:bodyPr>
+          <a:lstStyle/>
+          <a:p>
+            <a:pPr marL="0" lvl="0" indent="0" algn="l" rtl="0">
+              <a:spcBef>
+                <a:spcPts val="0"/>
+              </a:spcBef>
+              <a:spcAft>
+                <a:spcPts val="0"/>
+              </a:spcAft>
+              <a:buNone/>
+            </a:pPr>
+            <a:r>
+              <a:rPr lang="en-GB" dirty="0" smtClean="0"/>
+              <a:t>Choice of </a:t>
+            </a:r>
+            <a:r>
+              <a:rPr lang="en-GB" dirty="0" err="1" smtClean="0"/>
+              <a:t>datas</a:t>
+            </a:r>
+            <a:r>
+              <a:rPr lang="en-GB" dirty="0" smtClean="0"/>
+              <a:t> </a:t>
+            </a:r>
+            <a:endParaRPr dirty="0"/>
+          </a:p>
+        </p:txBody>
+      </p:sp>
+      <p:sp>
+        <p:nvSpPr>
+          <p:cNvPr id="94" name="Google Shape;94;p19"/>
+          <p:cNvSpPr txBox="1">
+            <a:spLocks noGrp="1"/>
+          </p:cNvSpPr>
+          <p:nvPr>
+            <p:ph type="body" idx="1"/>
+          </p:nvPr>
+        </p:nvSpPr>
+        <p:spPr>
+          <a:prstGeom prst="rect">
+            <a:avLst/>
+          </a:prstGeom>
+        </p:spPr>
+        <p:txBody>
+          <a:bodyPr spcFirstLastPara="1" wrap="square" lIns="91425" tIns="91425" rIns="91425" bIns="91425" anchor="t" anchorCtr="0">
+            <a:noAutofit/>
+          </a:bodyPr>
+          <a:lstStyle/>
+          <a:p>
+            <a:pPr marL="0" lvl="0" indent="0" algn="just" rtl="0">
+              <a:spcBef>
+                <a:spcPts val="1200"/>
+              </a:spcBef>
+              <a:spcAft>
+                <a:spcPts val="0"/>
+              </a:spcAft>
+              <a:buClr>
+                <a:schemeClr val="dk1"/>
+              </a:buClr>
+              <a:buSzPts val="1100"/>
+              <a:buFont typeface="Arial"/>
+              <a:buNone/>
+            </a:pPr>
+            <a:r>
+              <a:rPr lang="en" dirty="0" smtClean="0"/>
+              <a:t>Market considerations</a:t>
+            </a:r>
+          </a:p>
+          <a:p>
+            <a:pPr marL="285750" indent="-285750" algn="just">
+              <a:spcBef>
+                <a:spcPts val="1200"/>
+              </a:spcBef>
+              <a:buClr>
+                <a:schemeClr val="dk1"/>
+              </a:buClr>
+              <a:buSzPts val="1100"/>
+            </a:pPr>
+            <a:r>
+              <a:rPr lang="en" dirty="0" smtClean="0"/>
+              <a:t>Liquidity </a:t>
+            </a:r>
+          </a:p>
+          <a:p>
+            <a:pPr marL="285750" indent="-285750" algn="just">
+              <a:spcBef>
+                <a:spcPts val="1200"/>
+              </a:spcBef>
+              <a:buClr>
+                <a:schemeClr val="dk1"/>
+              </a:buClr>
+              <a:buSzPts val="1100"/>
+            </a:pPr>
+            <a:r>
+              <a:rPr lang="en" dirty="0" smtClean="0"/>
+              <a:t>History</a:t>
+            </a:r>
+          </a:p>
+          <a:p>
+            <a:pPr marL="285750" indent="-285750" algn="just">
+              <a:spcBef>
+                <a:spcPts val="1200"/>
+              </a:spcBef>
+              <a:buClr>
+                <a:schemeClr val="dk1"/>
+              </a:buClr>
+              <a:buSzPts val="1100"/>
+            </a:pPr>
+            <a:r>
+              <a:rPr lang="en" dirty="0" smtClean="0"/>
+              <a:t>Number of participants</a:t>
+            </a:r>
+          </a:p>
+          <a:p>
+            <a:pPr marL="285750" indent="-285750" algn="just">
+              <a:spcBef>
+                <a:spcPts val="1200"/>
+              </a:spcBef>
+              <a:buClr>
+                <a:schemeClr val="dk1"/>
+              </a:buClr>
+              <a:buSzPts val="1100"/>
+            </a:pPr>
+            <a:r>
+              <a:rPr lang="en" dirty="0" smtClean="0"/>
+              <a:t>Reference</a:t>
+            </a:r>
+          </a:p>
+          <a:p>
+            <a:pPr marL="0" lvl="0" indent="0" algn="just" rtl="0">
+              <a:spcBef>
+                <a:spcPts val="1200"/>
+              </a:spcBef>
+              <a:spcAft>
+                <a:spcPts val="0"/>
+              </a:spcAft>
+              <a:buClr>
+                <a:schemeClr val="dk1"/>
+              </a:buClr>
+              <a:buSzPts val="1100"/>
+              <a:buFont typeface="Arial"/>
+              <a:buNone/>
+            </a:pPr>
+            <a:r>
+              <a:rPr lang="en" dirty="0" smtClean="0"/>
+              <a:t>Also </a:t>
+            </a:r>
+            <a:r>
+              <a:rPr lang="en" dirty="0"/>
+              <a:t>I selected the American equity index SPX 500 for this project as it is the most liquid equity indices where many operators can interact from retail to institutional investors. Moreover the index has a long history that I see from 1927. Also the index price are quoted every working day. </a:t>
+            </a:r>
+            <a:endParaRPr lang="en" dirty="0" smtClean="0"/>
+          </a:p>
+        </p:txBody>
+      </p:sp>
+    </p:spTree>
+  </p:cSld>
+  <p:clrMapOvr>
+    <a:masterClrMapping/>
+  </p:clrMapOvr>
+  <p:timing>
+    <p:tnLst>
+      <p:par>
+        <p:cTn id="1" dur="indefinite" restart="never" nodeType="tmRoot"/>
+      </p:par>
+    </p:tnLst>
+  </p:timing>
+</p:sld>
+</file>
+
+<file path=ppt/slides/slide9.xml><?xml version="1.0" encoding="utf-8"?>
 <p:sld xmlns:a="http://schemas.openxmlformats.org/drawingml/2006/main" xmlns:r="http://schemas.openxmlformats.org/officeDocument/2006/relationships" xmlns:p="http://schemas.openxmlformats.org/presentationml/2006/main">
   <p:cSld>
     <p:bg>
@@ -24440,509 +26827,12 @@
           </a:p>
         </p:txBody>
       </p:sp>
-      <p:sp>
-        <p:nvSpPr>
-          <p:cNvPr id="94" name="Google Shape;94;p19"/>
-          <p:cNvSpPr txBox="1">
-            <a:spLocks noGrp="1"/>
-          </p:cNvSpPr>
-          <p:nvPr>
-            <p:ph type="body" idx="1"/>
-          </p:nvPr>
-        </p:nvSpPr>
-        <p:spPr>
-          <a:prstGeom prst="rect">
-            <a:avLst/>
-          </a:prstGeom>
-        </p:spPr>
-        <p:txBody>
-          <a:bodyPr spcFirstLastPara="1" wrap="square" lIns="91425" tIns="91425" rIns="91425" bIns="91425" anchor="t" anchorCtr="0">
-            <a:noAutofit/>
-          </a:bodyPr>
-          <a:lstStyle/>
-          <a:p>
-            <a:pPr marL="0" lvl="0" indent="0" algn="just" rtl="0">
-              <a:spcBef>
-                <a:spcPts val="1200"/>
-              </a:spcBef>
-              <a:spcAft>
-                <a:spcPts val="0"/>
-              </a:spcAft>
-              <a:buClr>
-                <a:schemeClr val="dk1"/>
-              </a:buClr>
-              <a:buSzPts val="1100"/>
-              <a:buFont typeface="Arial"/>
-              <a:buNone/>
-            </a:pPr>
-            <a:r>
-              <a:rPr lang="en" dirty="0"/>
-              <a:t>Also I selected the American equity index SPX 500 for this project as it is the most liquid equity indices where many operators can interact from retail to institutional investors. Moreover the index has a long history that I see from 1927. Also the index price are quoted every working day. </a:t>
-            </a:r>
-            <a:endParaRPr lang="en" dirty="0" smtClean="0"/>
-          </a:p>
-          <a:p>
-            <a:pPr marL="0" lvl="0" indent="0" algn="just" rtl="0">
-              <a:spcBef>
-                <a:spcPts val="1200"/>
-              </a:spcBef>
-              <a:spcAft>
-                <a:spcPts val="0"/>
-              </a:spcAft>
-              <a:buClr>
-                <a:schemeClr val="dk1"/>
-              </a:buClr>
-              <a:buSzPts val="1100"/>
-              <a:buFont typeface="Arial"/>
-              <a:buNone/>
-            </a:pPr>
-            <a:r>
-              <a:rPr lang="en" dirty="0" smtClean="0"/>
-              <a:t>T</a:t>
-            </a:r>
-            <a:r>
-              <a:rPr lang="es-ES" dirty="0" smtClean="0"/>
-              <a:t>h</a:t>
-            </a:r>
-            <a:r>
-              <a:rPr lang="en" dirty="0" smtClean="0"/>
-              <a:t>e historical datas are downloaded through yahoo API </a:t>
-            </a:r>
-            <a:endParaRPr dirty="0"/>
-          </a:p>
-          <a:p>
-            <a:pPr marL="0" lvl="0" indent="0" algn="l" rtl="0">
-              <a:spcBef>
-                <a:spcPts val="1200"/>
-              </a:spcBef>
-              <a:spcAft>
-                <a:spcPts val="0"/>
-              </a:spcAft>
-              <a:buClr>
-                <a:schemeClr val="dk1"/>
-              </a:buClr>
-              <a:buSzPts val="1100"/>
-              <a:buFont typeface="Arial"/>
-              <a:buNone/>
-            </a:pPr>
-            <a:r>
-              <a:rPr lang="en" dirty="0"/>
-              <a:t>I splited the datas in 4 np.array group x_train, x_test and y_train, y_test owith a total of 23254  images of 32 x 32 x 3 and 23254 </a:t>
-            </a:r>
-            <a:r>
-              <a:rPr lang="en" dirty="0" smtClean="0"/>
-              <a:t>state</a:t>
-            </a:r>
-            <a:endParaRPr dirty="0"/>
-          </a:p>
-        </p:txBody>
-      </p:sp>
-    </p:spTree>
-  </p:cSld>
-  <p:clrMapOvr>
-    <a:masterClrMapping/>
-  </p:clrMapOvr>
-</p:sld>
-</file>
-
-<file path=ppt/slides/slide8.xml><?xml version="1.0" encoding="utf-8"?>
-<p:sld xmlns:a="http://schemas.openxmlformats.org/drawingml/2006/main" xmlns:r="http://schemas.openxmlformats.org/officeDocument/2006/relationships" xmlns:p="http://schemas.openxmlformats.org/presentationml/2006/main">
-  <p:cSld>
-    <p:bg>
-      <p:bgPr>
-        <a:gradFill>
-          <a:gsLst>
-            <a:gs pos="0">
-              <a:schemeClr val="accent1">
-                <a:lumMod val="5000"/>
-                <a:lumOff val="95000"/>
-              </a:schemeClr>
-            </a:gs>
-            <a:gs pos="74000">
-              <a:schemeClr val="accent1">
-                <a:lumMod val="45000"/>
-                <a:lumOff val="55000"/>
-              </a:schemeClr>
-            </a:gs>
-            <a:gs pos="83000">
-              <a:schemeClr val="accent1">
-                <a:lumMod val="45000"/>
-                <a:lumOff val="55000"/>
-              </a:schemeClr>
-            </a:gs>
-            <a:gs pos="100000">
-              <a:schemeClr val="accent1">
-                <a:lumMod val="30000"/>
-                <a:lumOff val="70000"/>
-              </a:schemeClr>
-            </a:gs>
-          </a:gsLst>
-          <a:lin ang="5400000" scaled="1"/>
-        </a:gradFill>
-        <a:effectLst/>
-      </p:bgPr>
-    </p:bg>
-    <p:spTree>
-      <p:nvGrpSpPr>
-        <p:cNvPr id="1" name="Shape 98"/>
-        <p:cNvGrpSpPr/>
-        <p:nvPr/>
-      </p:nvGrpSpPr>
-      <p:grpSpPr>
-        <a:xfrm>
-          <a:off x="0" y="0"/>
-          <a:ext cx="0" cy="0"/>
-          <a:chOff x="0" y="0"/>
-          <a:chExt cx="0" cy="0"/>
-        </a:xfrm>
-      </p:grpSpPr>
-      <p:sp>
-        <p:nvSpPr>
-          <p:cNvPr id="99" name="Google Shape;99;p20"/>
-          <p:cNvSpPr txBox="1">
-            <a:spLocks noGrp="1"/>
-          </p:cNvSpPr>
-          <p:nvPr>
-            <p:ph type="title"/>
-          </p:nvPr>
-        </p:nvSpPr>
-        <p:spPr>
-          <a:prstGeom prst="rect">
-            <a:avLst/>
-          </a:prstGeom>
-        </p:spPr>
-        <p:txBody>
-          <a:bodyPr spcFirstLastPara="1" wrap="square" lIns="91425" tIns="91425" rIns="91425" bIns="91425" anchor="t" anchorCtr="0">
-            <a:noAutofit/>
-          </a:bodyPr>
-          <a:lstStyle/>
-          <a:p>
-            <a:pPr marL="0" lvl="0" indent="0" algn="l" rtl="0">
-              <a:spcBef>
-                <a:spcPts val="0"/>
-              </a:spcBef>
-              <a:spcAft>
-                <a:spcPts val="0"/>
-              </a:spcAft>
-              <a:buNone/>
-            </a:pPr>
-            <a:endParaRPr/>
-          </a:p>
-        </p:txBody>
-      </p:sp>
-      <p:sp>
-        <p:nvSpPr>
-          <p:cNvPr id="100" name="Google Shape;100;p20"/>
-          <p:cNvSpPr txBox="1">
-            <a:spLocks noGrp="1"/>
-          </p:cNvSpPr>
-          <p:nvPr>
-            <p:ph type="body" idx="1"/>
-          </p:nvPr>
-        </p:nvSpPr>
-        <p:spPr>
-          <a:prstGeom prst="rect">
-            <a:avLst/>
-          </a:prstGeom>
-        </p:spPr>
-        <p:txBody>
-          <a:bodyPr spcFirstLastPara="1" wrap="square" lIns="91425" tIns="91425" rIns="91425" bIns="91425" anchor="t" anchorCtr="0">
-            <a:noAutofit/>
-          </a:bodyPr>
-          <a:lstStyle/>
-          <a:p>
-            <a:pPr marL="0" lvl="0" indent="0" algn="l" rtl="0">
-              <a:spcBef>
-                <a:spcPts val="0"/>
-              </a:spcBef>
-              <a:spcAft>
-                <a:spcPts val="1600"/>
-              </a:spcAft>
-              <a:buNone/>
-            </a:pPr>
-            <a:endParaRPr/>
-          </a:p>
-        </p:txBody>
-      </p:sp>
       <p:pic>
         <p:nvPicPr>
-          <p:cNvPr id="101" name="Google Shape;101;p20"/>
-          <p:cNvPicPr preferRelativeResize="0"/>
-          <p:nvPr/>
-        </p:nvPicPr>
-        <p:blipFill>
-          <a:blip r:embed="rId3">
-            <a:alphaModFix/>
-          </a:blip>
-          <a:stretch>
-            <a:fillRect/>
-          </a:stretch>
-        </p:blipFill>
-        <p:spPr>
-          <a:xfrm>
-            <a:off x="311700" y="445025"/>
-            <a:ext cx="7354012" cy="4123850"/>
-          </a:xfrm>
-          <a:prstGeom prst="rect">
-            <a:avLst/>
-          </a:prstGeom>
-          <a:noFill/>
-          <a:ln>
-            <a:noFill/>
-          </a:ln>
-        </p:spPr>
-      </p:pic>
-    </p:spTree>
-  </p:cSld>
-  <p:clrMapOvr>
-    <a:masterClrMapping/>
-  </p:clrMapOvr>
-</p:sld>
-</file>
-
-<file path=ppt/slides/slide9.xml><?xml version="1.0" encoding="utf-8"?>
-<p:sld xmlns:a="http://schemas.openxmlformats.org/drawingml/2006/main" xmlns:r="http://schemas.openxmlformats.org/officeDocument/2006/relationships" xmlns:p="http://schemas.openxmlformats.org/presentationml/2006/main">
-  <p:cSld>
-    <p:bg>
-      <p:bgPr>
-        <a:gradFill>
-          <a:gsLst>
-            <a:gs pos="0">
-              <a:schemeClr val="accent1">
-                <a:lumMod val="5000"/>
-                <a:lumOff val="95000"/>
-              </a:schemeClr>
-            </a:gs>
-            <a:gs pos="74000">
-              <a:schemeClr val="accent1">
-                <a:lumMod val="45000"/>
-                <a:lumOff val="55000"/>
-              </a:schemeClr>
-            </a:gs>
-            <a:gs pos="83000">
-              <a:schemeClr val="accent1">
-                <a:lumMod val="45000"/>
-                <a:lumOff val="55000"/>
-              </a:schemeClr>
-            </a:gs>
-            <a:gs pos="100000">
-              <a:schemeClr val="accent1">
-                <a:lumMod val="30000"/>
-                <a:lumOff val="70000"/>
-              </a:schemeClr>
-            </a:gs>
-          </a:gsLst>
-          <a:lin ang="5400000" scaled="1"/>
-        </a:gradFill>
-        <a:effectLst/>
-      </p:bgPr>
-    </p:bg>
-    <p:spTree>
-      <p:nvGrpSpPr>
-        <p:cNvPr id="1" name="Shape 105"/>
-        <p:cNvGrpSpPr/>
-        <p:nvPr/>
-      </p:nvGrpSpPr>
-      <p:grpSpPr>
-        <a:xfrm>
-          <a:off x="0" y="0"/>
-          <a:ext cx="0" cy="0"/>
-          <a:chOff x="0" y="0"/>
-          <a:chExt cx="0" cy="0"/>
-        </a:xfrm>
-      </p:grpSpPr>
-      <p:sp>
-        <p:nvSpPr>
-          <p:cNvPr id="106" name="Google Shape;106;p21"/>
-          <p:cNvSpPr txBox="1">
-            <a:spLocks noGrp="1"/>
-          </p:cNvSpPr>
-          <p:nvPr>
-            <p:ph type="title"/>
-          </p:nvPr>
-        </p:nvSpPr>
-        <p:spPr>
-          <a:prstGeom prst="rect">
-            <a:avLst/>
-          </a:prstGeom>
-        </p:spPr>
-        <p:txBody>
-          <a:bodyPr spcFirstLastPara="1" wrap="square" lIns="91425" tIns="91425" rIns="91425" bIns="91425" anchor="t" anchorCtr="0">
-            <a:noAutofit/>
-          </a:bodyPr>
-          <a:lstStyle/>
-          <a:p>
-            <a:pPr marL="0" lvl="0" indent="0" algn="l" rtl="0">
-              <a:lnSpc>
-                <a:spcPct val="115000"/>
-              </a:lnSpc>
-              <a:spcBef>
-                <a:spcPts val="2400"/>
-              </a:spcBef>
-              <a:spcAft>
-                <a:spcPts val="600"/>
-              </a:spcAft>
-              <a:buNone/>
-            </a:pPr>
-            <a:r>
-              <a:rPr lang="en" sz="2300" b="1"/>
-              <a:t>Description of the methodology and tools used </a:t>
-            </a:r>
-            <a:endParaRPr/>
-          </a:p>
-        </p:txBody>
-      </p:sp>
-      <p:sp>
-        <p:nvSpPr>
-          <p:cNvPr id="107" name="Google Shape;107;p21"/>
-          <p:cNvSpPr txBox="1">
-            <a:spLocks noGrp="1"/>
-          </p:cNvSpPr>
-          <p:nvPr>
-            <p:ph type="body" idx="1"/>
-          </p:nvPr>
-        </p:nvSpPr>
-        <p:spPr>
-          <a:prstGeom prst="rect">
-            <a:avLst/>
-          </a:prstGeom>
-        </p:spPr>
-        <p:txBody>
-          <a:bodyPr spcFirstLastPara="1" wrap="square" lIns="91425" tIns="91425" rIns="91425" bIns="91425" anchor="t" anchorCtr="0">
-            <a:noAutofit/>
-          </a:bodyPr>
-          <a:lstStyle/>
-          <a:p>
-            <a:pPr marL="0" indent="0">
-              <a:buNone/>
-            </a:pPr>
-            <a:r>
-              <a:rPr lang="en" dirty="0" smtClean="0"/>
-              <a:t>Colab, Tensorflow Keras, </a:t>
-            </a:r>
-            <a:r>
-              <a:rPr lang="es-ES" dirty="0" err="1"/>
-              <a:t>Transfert</a:t>
-            </a:r>
-            <a:r>
-              <a:rPr lang="es-ES" dirty="0"/>
-              <a:t> </a:t>
-            </a:r>
-            <a:r>
-              <a:rPr lang="es-ES" dirty="0" err="1"/>
-              <a:t>Learning</a:t>
-            </a:r>
-            <a:r>
-              <a:rPr lang="es-ES" dirty="0"/>
-              <a:t> </a:t>
-            </a:r>
-            <a:r>
-              <a:rPr lang="es-ES" dirty="0" smtClean="0">
-                <a:sym typeface="Times New Roman"/>
-              </a:rPr>
-              <a:t>Vgg16  </a:t>
-            </a:r>
-            <a:endParaRPr lang="es-ES" dirty="0"/>
-          </a:p>
-          <a:p>
-            <a:pPr marL="0" lvl="0" indent="0">
-              <a:buNone/>
-            </a:pPr>
-            <a:r>
-              <a:rPr lang="es-ES" sz="1400" dirty="0" err="1"/>
-              <a:t>batch_size</a:t>
-            </a:r>
-            <a:r>
-              <a:rPr lang="es-ES" sz="1400" dirty="0"/>
-              <a:t>=[25,50,100]</a:t>
-            </a:r>
-          </a:p>
-          <a:p>
-            <a:pPr marL="0" lvl="0" indent="0">
-              <a:buNone/>
-            </a:pPr>
-            <a:r>
-              <a:rPr lang="es-ES" sz="1400" dirty="0" err="1"/>
-              <a:t>epochs</a:t>
-            </a:r>
-            <a:r>
-              <a:rPr lang="es-ES" sz="1400" dirty="0"/>
-              <a:t>=[25,50,100]</a:t>
-            </a:r>
-          </a:p>
-          <a:p>
-            <a:pPr marL="0" lvl="0" indent="0">
-              <a:buNone/>
-            </a:pPr>
-            <a:r>
-              <a:rPr lang="es-ES" sz="1400" dirty="0" err="1"/>
-              <a:t>learning_rate</a:t>
-            </a:r>
-            <a:r>
-              <a:rPr lang="es-ES" sz="1400" dirty="0"/>
-              <a:t>=[0.001,0.01,0.1]</a:t>
-            </a:r>
-          </a:p>
-          <a:p>
-            <a:pPr marL="0" lvl="0" indent="0">
-              <a:buNone/>
-            </a:pPr>
-            <a:r>
-              <a:rPr lang="es-ES" sz="1400" dirty="0" err="1"/>
-              <a:t>optimizer_name</a:t>
-            </a:r>
-            <a:r>
-              <a:rPr lang="es-ES" sz="1400" dirty="0"/>
-              <a:t>= SGD, </a:t>
-            </a:r>
-            <a:r>
-              <a:rPr lang="es-ES" sz="1400" dirty="0" err="1"/>
-              <a:t>RMSprop</a:t>
-            </a:r>
-            <a:r>
-              <a:rPr lang="es-ES" sz="1400" dirty="0"/>
-              <a:t>, Adam, </a:t>
-            </a:r>
-            <a:r>
-              <a:rPr lang="es-ES" sz="1400" dirty="0" err="1"/>
-              <a:t>Adagrad</a:t>
-            </a:r>
-            <a:r>
-              <a:rPr lang="es-ES" sz="1400" dirty="0"/>
-              <a:t>, </a:t>
-            </a:r>
-            <a:r>
-              <a:rPr lang="es-ES" sz="1400" dirty="0" err="1"/>
-              <a:t>Adamax</a:t>
-            </a:r>
-            <a:r>
-              <a:rPr lang="es-ES" sz="1400" dirty="0"/>
-              <a:t>, </a:t>
-            </a:r>
-            <a:r>
-              <a:rPr lang="es-ES" sz="1400" dirty="0" err="1"/>
-              <a:t>Ftrl</a:t>
-            </a:r>
-            <a:endParaRPr lang="es-ES" sz="1400" dirty="0"/>
-          </a:p>
-          <a:p>
-            <a:pPr marL="0" lvl="0" indent="0" algn="l" rtl="0">
-              <a:spcBef>
-                <a:spcPts val="0"/>
-              </a:spcBef>
-              <a:spcAft>
-                <a:spcPts val="0"/>
-              </a:spcAft>
-              <a:buNone/>
-            </a:pPr>
-            <a:endParaRPr dirty="0"/>
-          </a:p>
-        </p:txBody>
-      </p:sp>
-      <p:pic>
-        <p:nvPicPr>
-          <p:cNvPr id="5" name="Picture 4"/>
-          <p:cNvPicPr/>
+          <p:cNvPr id="4" name="Picture 3"/>
+          <p:cNvPicPr>
+            <a:picLocks noChangeAspect="1"/>
+          </p:cNvPicPr>
           <p:nvPr/>
         </p:nvPicPr>
         <p:blipFill>
@@ -24953,19 +26843,108 @@
         </p:blipFill>
         <p:spPr>
           <a:xfrm>
-            <a:off x="1899556" y="2237570"/>
-            <a:ext cx="5196205" cy="2764790"/>
+            <a:off x="4600575" y="1240024"/>
+            <a:ext cx="4543425" cy="3090863"/>
           </a:xfrm>
           <a:prstGeom prst="rect">
             <a:avLst/>
           </a:prstGeom>
         </p:spPr>
       </p:pic>
+      <p:sp>
+        <p:nvSpPr>
+          <p:cNvPr id="2" name="Text Placeholder 1"/>
+          <p:cNvSpPr>
+            <a:spLocks noGrp="1"/>
+          </p:cNvSpPr>
+          <p:nvPr>
+            <p:ph type="body" idx="1"/>
+          </p:nvPr>
+        </p:nvSpPr>
+        <p:spPr/>
+        <p:txBody>
+          <a:bodyPr/>
+          <a:lstStyle/>
+          <a:p>
+            <a:endParaRPr lang="es-ES" dirty="0"/>
+          </a:p>
+        </p:txBody>
+      </p:sp>
+      <p:pic>
+        <p:nvPicPr>
+          <p:cNvPr id="3" name="Picture 2"/>
+          <p:cNvPicPr>
+            <a:picLocks noChangeAspect="1"/>
+          </p:cNvPicPr>
+          <p:nvPr/>
+        </p:nvPicPr>
+        <p:blipFill>
+          <a:blip r:embed="rId4"/>
+          <a:stretch>
+            <a:fillRect/>
+          </a:stretch>
+        </p:blipFill>
+        <p:spPr>
+          <a:xfrm>
+            <a:off x="63014" y="1240024"/>
+            <a:ext cx="4508986" cy="3166082"/>
+          </a:xfrm>
+          <a:prstGeom prst="rect">
+            <a:avLst/>
+          </a:prstGeom>
+        </p:spPr>
+      </p:pic>
+      <p:sp>
+        <p:nvSpPr>
+          <p:cNvPr id="5" name="TextBox 4"/>
+          <p:cNvSpPr txBox="1"/>
+          <p:nvPr/>
+        </p:nvSpPr>
+        <p:spPr>
+          <a:xfrm>
+            <a:off x="311700" y="4774168"/>
+            <a:ext cx="3130747" cy="369332"/>
+          </a:xfrm>
+          <a:prstGeom prst="rect">
+            <a:avLst/>
+          </a:prstGeom>
+          <a:noFill/>
+        </p:spPr>
+        <p:txBody>
+          <a:bodyPr wrap="square" rtlCol="0">
+            <a:spAutoFit/>
+          </a:bodyPr>
+          <a:lstStyle/>
+          <a:p>
+            <a:r>
+              <a:rPr lang="es-ES" dirty="0" err="1" smtClean="0"/>
+              <a:t>Source</a:t>
+            </a:r>
+            <a:r>
+              <a:rPr lang="es-ES" dirty="0" smtClean="0"/>
+              <a:t> google</a:t>
+            </a:r>
+            <a:endParaRPr lang="es-ES" dirty="0"/>
+          </a:p>
+        </p:txBody>
+      </p:sp>
     </p:spTree>
+    <p:extLst>
+      <p:ext uri="{BB962C8B-B14F-4D97-AF65-F5344CB8AC3E}">
+        <p14:creationId xmlns:p14="http://schemas.microsoft.com/office/powerpoint/2010/main" val="602200539"/>
+      </p:ext>
+    </p:extLst>
   </p:cSld>
   <p:clrMapOvr>
     <a:masterClrMapping/>
   </p:clrMapOvr>
+  <p:timing>
+    <p:tnLst>
+      <p:par>
+        <p:cTn id="1" dur="indefinite" restart="never" nodeType="tmRoot"/>
+      </p:par>
+    </p:tnLst>
+  </p:timing>
 </p:sld>
 </file>
 
